--- a/발표.pptx
+++ b/발표.pptx
@@ -12,9 +12,11 @@
     <p:sldId id="257" r:id="rId6"/>
     <p:sldId id="261" r:id="rId7"/>
     <p:sldId id="262" r:id="rId8"/>
-    <p:sldId id="258" r:id="rId9"/>
-    <p:sldId id="263" r:id="rId10"/>
-    <p:sldId id="264" r:id="rId11"/>
+    <p:sldId id="267" r:id="rId9"/>
+    <p:sldId id="266" r:id="rId10"/>
+    <p:sldId id="258" r:id="rId11"/>
+    <p:sldId id="263" r:id="rId12"/>
+    <p:sldId id="264" r:id="rId13"/>
   </p:sldIdLst>
   <p:sldSz cx="12192000" cy="6858000"/>
   <p:notesSz cx="6858000" cy="9144000"/>
@@ -268,7 +270,7 @@
           <a:p>
             <a:fld id="{45928DD1-B1BD-4A78-AEC1-1C8B78DC37AD}" type="datetimeFigureOut">
               <a:rPr lang="ko-KR" altLang="en-US" smtClean="0"/>
-              <a:t>2024-01-16</a:t>
+              <a:t>2024-01-19</a:t>
             </a:fld>
             <a:endParaRPr lang="ko-KR" altLang="en-US"/>
           </a:p>
@@ -466,7 +468,7 @@
           <a:p>
             <a:fld id="{45928DD1-B1BD-4A78-AEC1-1C8B78DC37AD}" type="datetimeFigureOut">
               <a:rPr lang="ko-KR" altLang="en-US" smtClean="0"/>
-              <a:t>2024-01-16</a:t>
+              <a:t>2024-01-19</a:t>
             </a:fld>
             <a:endParaRPr lang="ko-KR" altLang="en-US"/>
           </a:p>
@@ -674,7 +676,7 @@
           <a:p>
             <a:fld id="{45928DD1-B1BD-4A78-AEC1-1C8B78DC37AD}" type="datetimeFigureOut">
               <a:rPr lang="ko-KR" altLang="en-US" smtClean="0"/>
-              <a:t>2024-01-16</a:t>
+              <a:t>2024-01-19</a:t>
             </a:fld>
             <a:endParaRPr lang="ko-KR" altLang="en-US"/>
           </a:p>
@@ -872,7 +874,7 @@
           <a:p>
             <a:fld id="{45928DD1-B1BD-4A78-AEC1-1C8B78DC37AD}" type="datetimeFigureOut">
               <a:rPr lang="ko-KR" altLang="en-US" smtClean="0"/>
-              <a:t>2024-01-16</a:t>
+              <a:t>2024-01-19</a:t>
             </a:fld>
             <a:endParaRPr lang="ko-KR" altLang="en-US"/>
           </a:p>
@@ -1147,7 +1149,7 @@
           <a:p>
             <a:fld id="{45928DD1-B1BD-4A78-AEC1-1C8B78DC37AD}" type="datetimeFigureOut">
               <a:rPr lang="ko-KR" altLang="en-US" smtClean="0"/>
-              <a:t>2024-01-16</a:t>
+              <a:t>2024-01-19</a:t>
             </a:fld>
             <a:endParaRPr lang="ko-KR" altLang="en-US"/>
           </a:p>
@@ -1412,7 +1414,7 @@
           <a:p>
             <a:fld id="{45928DD1-B1BD-4A78-AEC1-1C8B78DC37AD}" type="datetimeFigureOut">
               <a:rPr lang="ko-KR" altLang="en-US" smtClean="0"/>
-              <a:t>2024-01-16</a:t>
+              <a:t>2024-01-19</a:t>
             </a:fld>
             <a:endParaRPr lang="ko-KR" altLang="en-US"/>
           </a:p>
@@ -1824,7 +1826,7 @@
           <a:p>
             <a:fld id="{45928DD1-B1BD-4A78-AEC1-1C8B78DC37AD}" type="datetimeFigureOut">
               <a:rPr lang="ko-KR" altLang="en-US" smtClean="0"/>
-              <a:t>2024-01-16</a:t>
+              <a:t>2024-01-19</a:t>
             </a:fld>
             <a:endParaRPr lang="ko-KR" altLang="en-US"/>
           </a:p>
@@ -1965,7 +1967,7 @@
           <a:p>
             <a:fld id="{45928DD1-B1BD-4A78-AEC1-1C8B78DC37AD}" type="datetimeFigureOut">
               <a:rPr lang="ko-KR" altLang="en-US" smtClean="0"/>
-              <a:t>2024-01-16</a:t>
+              <a:t>2024-01-19</a:t>
             </a:fld>
             <a:endParaRPr lang="ko-KR" altLang="en-US"/>
           </a:p>
@@ -2078,7 +2080,7 @@
           <a:p>
             <a:fld id="{45928DD1-B1BD-4A78-AEC1-1C8B78DC37AD}" type="datetimeFigureOut">
               <a:rPr lang="ko-KR" altLang="en-US" smtClean="0"/>
-              <a:t>2024-01-16</a:t>
+              <a:t>2024-01-19</a:t>
             </a:fld>
             <a:endParaRPr lang="ko-KR" altLang="en-US"/>
           </a:p>
@@ -2389,7 +2391,7 @@
           <a:p>
             <a:fld id="{45928DD1-B1BD-4A78-AEC1-1C8B78DC37AD}" type="datetimeFigureOut">
               <a:rPr lang="ko-KR" altLang="en-US" smtClean="0"/>
-              <a:t>2024-01-16</a:t>
+              <a:t>2024-01-19</a:t>
             </a:fld>
             <a:endParaRPr lang="ko-KR" altLang="en-US"/>
           </a:p>
@@ -2677,7 +2679,7 @@
           <a:p>
             <a:fld id="{45928DD1-B1BD-4A78-AEC1-1C8B78DC37AD}" type="datetimeFigureOut">
               <a:rPr lang="ko-KR" altLang="en-US" smtClean="0"/>
-              <a:t>2024-01-16</a:t>
+              <a:t>2024-01-19</a:t>
             </a:fld>
             <a:endParaRPr lang="ko-KR" altLang="en-US"/>
           </a:p>
@@ -2918,7 +2920,7 @@
           <a:p>
             <a:fld id="{45928DD1-B1BD-4A78-AEC1-1C8B78DC37AD}" type="datetimeFigureOut">
               <a:rPr lang="ko-KR" altLang="en-US" smtClean="0"/>
-              <a:t>2024-01-16</a:t>
+              <a:t>2024-01-19</a:t>
             </a:fld>
             <a:endParaRPr lang="ko-KR" altLang="en-US"/>
           </a:p>
@@ -3410,6 +3412,10 @@
               <a:t>허동호</a:t>
             </a:r>
             <a:r>
+              <a:rPr lang="ko-KR" altLang="en-US" sz="1400" dirty="0"/>
+              <a:t> </a:t>
+            </a:r>
+            <a:r>
               <a:rPr lang="en-US" altLang="ko-KR" sz="1400" dirty="0"/>
               <a:t>(</a:t>
             </a:r>
@@ -3479,7 +3485,7 @@
           <p:cNvPr id="4" name="TextBox 3">
             <a:extLst>
               <a:ext uri="{FF2B5EF4-FFF2-40B4-BE49-F238E27FC236}">
-                <a16:creationId xmlns:a16="http://schemas.microsoft.com/office/drawing/2014/main" id="{3375BA9C-CCE2-7352-7625-B6D6E20005A2}"/>
+                <a16:creationId xmlns:a16="http://schemas.microsoft.com/office/drawing/2014/main" id="{45A674CF-CF57-AD3E-F5F8-BC9F41489834}"/>
               </a:ext>
             </a:extLst>
           </p:cNvPr>
@@ -3488,8 +3494,8 @@
         </p:nvSpPr>
         <p:spPr>
           <a:xfrm>
-            <a:off x="399495" y="284085"/>
-            <a:ext cx="8451542" cy="369332"/>
+            <a:off x="5274258" y="1225448"/>
+            <a:ext cx="6517321" cy="1169551"/>
           </a:xfrm>
           <a:prstGeom prst="rect">
             <a:avLst/>
@@ -3503,16 +3509,108 @@
           <a:lstStyle/>
           <a:p>
             <a:r>
-              <a:rPr lang="ko-KR" altLang="en-US" dirty="0"/>
-              <a:t>개발 현황 </a:t>
-            </a:r>
-            <a:r>
-              <a:rPr lang="en-US" altLang="ko-KR" dirty="0"/>
-              <a:t>/ </a:t>
-            </a:r>
-            <a:r>
-              <a:rPr lang="ko-KR" altLang="en-US" dirty="0"/>
-              <a:t>예상 개발 과정</a:t>
+              <a:rPr lang="ko-KR" altLang="en-US" sz="1400" dirty="0"/>
+              <a:t>각 스테이지를 클리어하면</a:t>
+            </a:r>
+            <a:r>
+              <a:rPr lang="en-US" altLang="ko-KR" sz="1400" dirty="0"/>
+              <a:t>, </a:t>
+            </a:r>
+            <a:r>
+              <a:rPr lang="ko-KR" altLang="en-US" sz="1400" dirty="0"/>
+              <a:t>클리어의 표시로 </a:t>
+            </a:r>
+            <a:r>
+              <a:rPr lang="ko-KR" altLang="en-US" sz="1400" dirty="0" err="1"/>
+              <a:t>월드맵에</a:t>
+            </a:r>
+            <a:r>
+              <a:rPr lang="ko-KR" altLang="en-US" sz="1400" dirty="0"/>
+              <a:t> 변화가 생김</a:t>
+            </a:r>
+            <a:endParaRPr lang="en-US" altLang="ko-KR" sz="1400" dirty="0"/>
+          </a:p>
+          <a:p>
+            <a:r>
+              <a:rPr lang="en-US" altLang="ko-KR" sz="1400" dirty="0"/>
+              <a:t>(</a:t>
+            </a:r>
+            <a:r>
+              <a:rPr lang="ko-KR" altLang="en-US" sz="1400" dirty="0"/>
+              <a:t>오브젝트가 새로 생기고</a:t>
+            </a:r>
+            <a:r>
+              <a:rPr lang="en-US" altLang="ko-KR" sz="1400" dirty="0"/>
+              <a:t>, </a:t>
+            </a:r>
+            <a:r>
+              <a:rPr lang="ko-KR" altLang="en-US" sz="1400" dirty="0" err="1"/>
+              <a:t>맵의</a:t>
+            </a:r>
+            <a:r>
+              <a:rPr lang="ko-KR" altLang="en-US" sz="1400" dirty="0"/>
+              <a:t> </a:t>
+            </a:r>
+            <a:r>
+              <a:rPr lang="ko-KR" altLang="en-US" sz="1400" dirty="0" err="1"/>
+              <a:t>데코레이션이</a:t>
+            </a:r>
+            <a:r>
+              <a:rPr lang="ko-KR" altLang="en-US" sz="1400" dirty="0"/>
+              <a:t> 약간 달라짐</a:t>
+            </a:r>
+            <a:r>
+              <a:rPr lang="en-US" altLang="ko-KR" sz="1400" dirty="0"/>
+              <a:t>)</a:t>
+            </a:r>
+          </a:p>
+          <a:p>
+            <a:endParaRPr lang="en-US" altLang="ko-KR" sz="1400" dirty="0"/>
+          </a:p>
+          <a:p>
+            <a:r>
+              <a:rPr lang="ko-KR" altLang="en-US" sz="1400" dirty="0"/>
+              <a:t>각 </a:t>
+            </a:r>
+            <a:r>
+              <a:rPr lang="en-US" altLang="ko-KR" sz="1400" dirty="0"/>
+              <a:t>“</a:t>
+            </a:r>
+            <a:r>
+              <a:rPr lang="ko-KR" altLang="en-US" sz="1400" dirty="0" err="1"/>
+              <a:t>월드맵</a:t>
+            </a:r>
+            <a:r>
+              <a:rPr lang="en-US" altLang="ko-KR" sz="1400" dirty="0"/>
+              <a:t>”</a:t>
+            </a:r>
+            <a:r>
+              <a:rPr lang="ko-KR" altLang="en-US" sz="1400" dirty="0"/>
+              <a:t>도 하나의 퍼즐이며</a:t>
+            </a:r>
+            <a:r>
+              <a:rPr lang="en-US" altLang="ko-KR" sz="1400" dirty="0"/>
+              <a:t>, </a:t>
+            </a:r>
+            <a:r>
+              <a:rPr lang="ko-KR" altLang="en-US" sz="1400" dirty="0"/>
+              <a:t>스테이지들을 클리어하면 그 변화들로 인해 </a:t>
+            </a:r>
+            <a:r>
+              <a:rPr lang="en-US" altLang="ko-KR" sz="1400" dirty="0"/>
+              <a:t>“</a:t>
+            </a:r>
+            <a:r>
+              <a:rPr lang="ko-KR" altLang="en-US" sz="1400" dirty="0" err="1"/>
+              <a:t>월드맵</a:t>
+            </a:r>
+            <a:r>
+              <a:rPr lang="en-US" altLang="ko-KR" sz="1400" dirty="0"/>
+              <a:t>” </a:t>
+            </a:r>
+            <a:r>
+              <a:rPr lang="ko-KR" altLang="en-US" sz="1400" dirty="0"/>
+              <a:t>자체도 하나의 퍼즐임을 눈치채게 함</a:t>
             </a:r>
           </a:p>
         </p:txBody>
@@ -3522,7 +3620,7 @@
           <p:cNvPr id="5" name="직사각형 4">
             <a:extLst>
               <a:ext uri="{FF2B5EF4-FFF2-40B4-BE49-F238E27FC236}">
-                <a16:creationId xmlns:a16="http://schemas.microsoft.com/office/drawing/2014/main" id="{073920E9-5BA2-4776-75B3-C0C9BA2D5014}"/>
+                <a16:creationId xmlns:a16="http://schemas.microsoft.com/office/drawing/2014/main" id="{3DE9478A-0F49-34CC-4CB3-F8CCFF8FFA08}"/>
               </a:ext>
             </a:extLst>
           </p:cNvPr>
@@ -3531,8 +3629,8 @@
         </p:nvSpPr>
         <p:spPr>
           <a:xfrm>
-            <a:off x="1214290" y="1056426"/>
-            <a:ext cx="3399614" cy="967665"/>
+            <a:off x="3800567" y="2743793"/>
+            <a:ext cx="1100831" cy="798990"/>
           </a:xfrm>
           <a:prstGeom prst="rect">
             <a:avLst/>
@@ -3568,70 +3666,15 @@
                   <a:schemeClr val="tx1"/>
                 </a:solidFill>
               </a:rPr>
-              <a:t>기본 기능 구현</a:t>
-            </a:r>
-            <a:br>
+              <a:t>월드 </a:t>
+            </a:r>
+            <a:r>
               <a:rPr lang="en-US" altLang="ko-KR" dirty="0">
                 <a:solidFill>
                   <a:schemeClr val="tx1"/>
                 </a:solidFill>
               </a:rPr>
-            </a:br>
-            <a:r>
-              <a:rPr lang="en-US" altLang="ko-KR" dirty="0">
-                <a:solidFill>
-                  <a:schemeClr val="tx1"/>
-                </a:solidFill>
-              </a:rPr>
-              <a:t>(</a:t>
-            </a:r>
-            <a:r>
-              <a:rPr lang="ko-KR" altLang="en-US" dirty="0">
-                <a:solidFill>
-                  <a:schemeClr val="tx1"/>
-                </a:solidFill>
-              </a:rPr>
-              <a:t>이동</a:t>
-            </a:r>
-            <a:r>
-              <a:rPr lang="en-US" altLang="ko-KR" dirty="0">
-                <a:solidFill>
-                  <a:schemeClr val="tx1"/>
-                </a:solidFill>
-              </a:rPr>
-              <a:t>, </a:t>
-            </a:r>
-            <a:r>
-              <a:rPr lang="ko-KR" altLang="en-US" dirty="0">
-                <a:solidFill>
-                  <a:schemeClr val="tx1"/>
-                </a:solidFill>
-              </a:rPr>
-              <a:t>상호작용</a:t>
-            </a:r>
-            <a:r>
-              <a:rPr lang="en-US" altLang="ko-KR" dirty="0">
-                <a:solidFill>
-                  <a:schemeClr val="tx1"/>
-                </a:solidFill>
-              </a:rPr>
-              <a:t>, </a:t>
-            </a:r>
-            <a:r>
-              <a:rPr lang="ko-KR" altLang="en-US" dirty="0">
-                <a:solidFill>
-                  <a:schemeClr val="tx1"/>
-                </a:solidFill>
-              </a:rPr>
-              <a:t>카메라</a:t>
-            </a:r>
-            <a:r>
-              <a:rPr lang="en-US" altLang="ko-KR" dirty="0">
-                <a:solidFill>
-                  <a:schemeClr val="tx1"/>
-                </a:solidFill>
-              </a:rPr>
-              <a:t>)</a:t>
+              <a:t>1</a:t>
             </a:r>
             <a:endParaRPr lang="ko-KR" altLang="en-US" dirty="0">
               <a:solidFill>
@@ -3643,10 +3686,10 @@
       </p:sp>
       <p:sp>
         <p:nvSpPr>
-          <p:cNvPr id="6" name="직사각형 5">
-            <a:extLst>
-              <a:ext uri="{FF2B5EF4-FFF2-40B4-BE49-F238E27FC236}">
-                <a16:creationId xmlns:a16="http://schemas.microsoft.com/office/drawing/2014/main" id="{A309D05C-9DEF-659B-C9D0-6615B2DE7299}"/>
+          <p:cNvPr id="6" name="타원 5">
+            <a:extLst>
+              <a:ext uri="{FF2B5EF4-FFF2-40B4-BE49-F238E27FC236}">
+                <a16:creationId xmlns:a16="http://schemas.microsoft.com/office/drawing/2014/main" id="{32F4426E-FB92-50DA-8EBD-7626EC68E854}"/>
               </a:ext>
             </a:extLst>
           </p:cNvPr>
@@ -3655,10 +3698,10 @@
         </p:nvSpPr>
         <p:spPr>
           <a:xfrm>
-            <a:off x="2148397" y="2359135"/>
-            <a:ext cx="1531399" cy="967665"/>
-          </a:xfrm>
-          <a:prstGeom prst="rect">
+            <a:off x="1791257" y="2970460"/>
+            <a:ext cx="908479" cy="488271"/>
+          </a:xfrm>
+          <a:prstGeom prst="ellipse">
             <a:avLst/>
           </a:prstGeom>
           <a:solidFill>
@@ -3687,54 +3730,27 @@
           <a:p>
             <a:pPr algn="ctr"/>
             <a:r>
-              <a:rPr lang="ko-KR" altLang="en-US" dirty="0">
-                <a:solidFill>
-                  <a:schemeClr val="tx1"/>
-                </a:solidFill>
-              </a:rPr>
-              <a:t>허브</a:t>
-            </a:r>
-            <a:r>
               <a:rPr lang="en-US" altLang="ko-KR" dirty="0">
                 <a:solidFill>
                   <a:schemeClr val="tx1"/>
                 </a:solidFill>
               </a:rPr>
-              <a:t>, </a:t>
-            </a:r>
-            <a:r>
-              <a:rPr lang="ko-KR" altLang="en-US" dirty="0">
-                <a:solidFill>
-                  <a:schemeClr val="tx1"/>
-                </a:solidFill>
-              </a:rPr>
-              <a:t>월드 </a:t>
-            </a:r>
-            <a:r>
-              <a:rPr lang="en-US" altLang="ko-KR" dirty="0">
-                <a:solidFill>
-                  <a:schemeClr val="tx1"/>
-                </a:solidFill>
-              </a:rPr>
-              <a:t>1 </a:t>
-            </a:r>
-            <a:r>
-              <a:rPr lang="ko-KR" altLang="en-US" dirty="0">
-                <a:solidFill>
-                  <a:schemeClr val="tx1"/>
-                </a:solidFill>
-              </a:rPr>
-              <a:t>제작</a:t>
-            </a:r>
-          </a:p>
-        </p:txBody>
-      </p:sp>
-      <p:sp>
-        <p:nvSpPr>
-          <p:cNvPr id="7" name="직사각형 6">
-            <a:extLst>
-              <a:ext uri="{FF2B5EF4-FFF2-40B4-BE49-F238E27FC236}">
-                <a16:creationId xmlns:a16="http://schemas.microsoft.com/office/drawing/2014/main" id="{61B1E7DB-1529-5749-F6A3-CBD2F605A2AC}"/>
+              <a:t>1-1</a:t>
+            </a:r>
+            <a:endParaRPr lang="ko-KR" altLang="en-US" dirty="0">
+              <a:solidFill>
+                <a:schemeClr val="tx1"/>
+              </a:solidFill>
+            </a:endParaRPr>
+          </a:p>
+        </p:txBody>
+      </p:sp>
+      <p:sp>
+        <p:nvSpPr>
+          <p:cNvPr id="7" name="타원 6">
+            <a:extLst>
+              <a:ext uri="{FF2B5EF4-FFF2-40B4-BE49-F238E27FC236}">
+                <a16:creationId xmlns:a16="http://schemas.microsoft.com/office/drawing/2014/main" id="{58637B51-5425-00F2-FF0B-FAD114B23F46}"/>
               </a:ext>
             </a:extLst>
           </p:cNvPr>
@@ -3743,10 +3759,10 @@
         </p:nvSpPr>
         <p:spPr>
           <a:xfrm>
-            <a:off x="506029" y="3676085"/>
-            <a:ext cx="4864963" cy="967665"/>
-          </a:xfrm>
-          <a:prstGeom prst="rect">
+            <a:off x="2228209" y="1714020"/>
+            <a:ext cx="908479" cy="488271"/>
+          </a:xfrm>
+          <a:prstGeom prst="ellipse">
             <a:avLst/>
           </a:prstGeom>
           <a:solidFill>
@@ -3775,54 +3791,27 @@
           <a:p>
             <a:pPr algn="ctr"/>
             <a:r>
-              <a:rPr lang="ko-KR" altLang="en-US" dirty="0">
-                <a:solidFill>
-                  <a:schemeClr val="tx1"/>
-                </a:solidFill>
-              </a:rPr>
-              <a:t>월드 </a:t>
-            </a:r>
-            <a:r>
               <a:rPr lang="en-US" altLang="ko-KR" dirty="0">
                 <a:solidFill>
                   <a:schemeClr val="tx1"/>
                 </a:solidFill>
               </a:rPr>
-              <a:t>2~4</a:t>
-            </a:r>
-            <a:r>
-              <a:rPr lang="ko-KR" altLang="en-US" dirty="0">
-                <a:solidFill>
-                  <a:schemeClr val="tx1"/>
-                </a:solidFill>
-              </a:rPr>
-              <a:t>제작</a:t>
-            </a:r>
-            <a:endParaRPr lang="en-US" altLang="ko-KR" dirty="0">
+              <a:t>1-2</a:t>
+            </a:r>
+            <a:endParaRPr lang="ko-KR" altLang="en-US" dirty="0">
               <a:solidFill>
                 <a:schemeClr val="tx1"/>
               </a:solidFill>
             </a:endParaRPr>
           </a:p>
-          <a:p>
-            <a:pPr algn="ctr"/>
-            <a:r>
-              <a:rPr lang="ko-KR" altLang="en-US" sz="1400" dirty="0">
-                <a:solidFill>
-                  <a:schemeClr val="tx1"/>
-                </a:solidFill>
-              </a:rPr>
-              <a:t>각 퍼즐 요소에 쓰이는 오브젝트와 상호작용도 각자 개발</a:t>
-            </a:r>
-          </a:p>
-        </p:txBody>
-      </p:sp>
-      <p:sp>
-        <p:nvSpPr>
-          <p:cNvPr id="8" name="직사각형 7">
-            <a:extLst>
-              <a:ext uri="{FF2B5EF4-FFF2-40B4-BE49-F238E27FC236}">
-                <a16:creationId xmlns:a16="http://schemas.microsoft.com/office/drawing/2014/main" id="{58A77EF4-EDF0-DBC5-D7A0-BB0F2FABECC8}"/>
+        </p:txBody>
+      </p:sp>
+      <p:sp>
+        <p:nvSpPr>
+          <p:cNvPr id="8" name="타원 7">
+            <a:extLst>
+              <a:ext uri="{FF2B5EF4-FFF2-40B4-BE49-F238E27FC236}">
+                <a16:creationId xmlns:a16="http://schemas.microsoft.com/office/drawing/2014/main" id="{4E435053-233D-332E-8339-6DE897C68001}"/>
               </a:ext>
             </a:extLst>
           </p:cNvPr>
@@ -3831,10 +3820,10 @@
         </p:nvSpPr>
         <p:spPr>
           <a:xfrm>
-            <a:off x="2241611" y="5048152"/>
-            <a:ext cx="1384918" cy="967665"/>
-          </a:xfrm>
-          <a:prstGeom prst="rect">
+            <a:off x="3605723" y="1544585"/>
+            <a:ext cx="908479" cy="488271"/>
+          </a:xfrm>
+          <a:prstGeom prst="ellipse">
             <a:avLst/>
           </a:prstGeom>
           <a:solidFill>
@@ -3863,36 +3852,12 @@
           <a:p>
             <a:pPr algn="ctr"/>
             <a:r>
-              <a:rPr lang="ko-KR" altLang="en-US" dirty="0">
-                <a:solidFill>
-                  <a:schemeClr val="tx1"/>
-                </a:solidFill>
-              </a:rPr>
-              <a:t>메인 허브 퍼즐 완성</a:t>
-            </a:r>
-            <a:r>
               <a:rPr lang="en-US" altLang="ko-KR" dirty="0">
                 <a:solidFill>
                   <a:schemeClr val="tx1"/>
                 </a:solidFill>
               </a:rPr>
-              <a:t>(</a:t>
-            </a:r>
-            <a:r>
-              <a:rPr lang="ko-KR" altLang="en-US" dirty="0">
-                <a:solidFill>
-                  <a:schemeClr val="tx1"/>
-                </a:solidFill>
-              </a:rPr>
-              <a:t>엔딩</a:t>
-            </a:r>
-            <a:r>
-              <a:rPr lang="en-US" altLang="ko-KR" dirty="0">
-                <a:solidFill>
-                  <a:schemeClr val="tx1"/>
-                </a:solidFill>
-              </a:rPr>
-              <a:t>)</a:t>
+              <a:t>1-3</a:t>
             </a:r>
             <a:endParaRPr lang="ko-KR" altLang="en-US" dirty="0">
               <a:solidFill>
@@ -3904,41 +3869,37 @@
       </p:sp>
       <p:cxnSp>
         <p:nvCxnSpPr>
-          <p:cNvPr id="9" name="직선 화살표 연결선 8">
-            <a:extLst>
-              <a:ext uri="{FF2B5EF4-FFF2-40B4-BE49-F238E27FC236}">
-                <a16:creationId xmlns:a16="http://schemas.microsoft.com/office/drawing/2014/main" id="{674146B2-4A47-7115-DD6C-6B378E99C45F}"/>
+          <p:cNvPr id="9" name="직선 연결선 8">
+            <a:extLst>
+              <a:ext uri="{FF2B5EF4-FFF2-40B4-BE49-F238E27FC236}">
+                <a16:creationId xmlns:a16="http://schemas.microsoft.com/office/drawing/2014/main" id="{E797848E-DBB3-8B51-11AF-961798455AF2}"/>
               </a:ext>
             </a:extLst>
           </p:cNvPr>
           <p:cNvCxnSpPr>
-            <a:cxnSpLocks/>
-            <a:stCxn id="5" idx="2"/>
-            <a:endCxn id="6" idx="0"/>
+            <a:stCxn id="6" idx="6"/>
+            <a:endCxn id="5" idx="1"/>
           </p:cNvCxnSpPr>
           <p:nvPr/>
         </p:nvCxnSpPr>
         <p:spPr>
-          <a:xfrm>
-            <a:off x="2914097" y="2024091"/>
-            <a:ext cx="0" cy="335044"/>
-          </a:xfrm>
-          <a:prstGeom prst="straightConnector1">
-            <a:avLst/>
-          </a:prstGeom>
-          <a:ln>
-            <a:tailEnd type="triangle"/>
-          </a:ln>
+          <a:xfrm flipV="1">
+            <a:off x="2699736" y="3143288"/>
+            <a:ext cx="1100831" cy="71308"/>
+          </a:xfrm>
+          <a:prstGeom prst="line">
+            <a:avLst/>
+          </a:prstGeom>
         </p:spPr>
         <p:style>
           <a:lnRef idx="1">
-            <a:schemeClr val="dk1"/>
+            <a:schemeClr val="accent1"/>
           </a:lnRef>
           <a:fillRef idx="0">
-            <a:schemeClr val="dk1"/>
+            <a:schemeClr val="accent1"/>
           </a:fillRef>
           <a:effectRef idx="0">
-            <a:schemeClr val="dk1"/>
+            <a:schemeClr val="accent1"/>
           </a:effectRef>
           <a:fontRef idx="minor">
             <a:schemeClr val="tx1"/>
@@ -3947,40 +3908,38 @@
       </p:cxnSp>
       <p:cxnSp>
         <p:nvCxnSpPr>
-          <p:cNvPr id="10" name="직선 화살표 연결선 9">
-            <a:extLst>
-              <a:ext uri="{FF2B5EF4-FFF2-40B4-BE49-F238E27FC236}">
-                <a16:creationId xmlns:a16="http://schemas.microsoft.com/office/drawing/2014/main" id="{9A6A620B-DD37-539D-A231-B37FC8F06A25}"/>
+          <p:cNvPr id="10" name="직선 연결선 9">
+            <a:extLst>
+              <a:ext uri="{FF2B5EF4-FFF2-40B4-BE49-F238E27FC236}">
+                <a16:creationId xmlns:a16="http://schemas.microsoft.com/office/drawing/2014/main" id="{B7AA30CB-C280-3C35-B259-10AD8755FF8B}"/>
               </a:ext>
             </a:extLst>
           </p:cNvPr>
           <p:cNvCxnSpPr>
             <a:cxnSpLocks/>
-            <a:stCxn id="6" idx="2"/>
+            <a:stCxn id="7" idx="4"/>
+            <a:endCxn id="5" idx="1"/>
           </p:cNvCxnSpPr>
           <p:nvPr/>
         </p:nvCxnSpPr>
         <p:spPr>
-          <a:xfrm flipH="1">
-            <a:off x="1100832" y="3326800"/>
-            <a:ext cx="1813265" cy="336242"/>
-          </a:xfrm>
-          <a:prstGeom prst="straightConnector1">
-            <a:avLst/>
-          </a:prstGeom>
-          <a:ln>
-            <a:tailEnd type="triangle"/>
-          </a:ln>
+          <a:xfrm>
+            <a:off x="2682449" y="2202291"/>
+            <a:ext cx="1118118" cy="940997"/>
+          </a:xfrm>
+          <a:prstGeom prst="line">
+            <a:avLst/>
+          </a:prstGeom>
         </p:spPr>
         <p:style>
           <a:lnRef idx="1">
-            <a:schemeClr val="dk1"/>
+            <a:schemeClr val="accent1"/>
           </a:lnRef>
           <a:fillRef idx="0">
-            <a:schemeClr val="dk1"/>
+            <a:schemeClr val="accent1"/>
           </a:fillRef>
           <a:effectRef idx="0">
-            <a:schemeClr val="dk1"/>
+            <a:schemeClr val="accent1"/>
           </a:effectRef>
           <a:fontRef idx="minor">
             <a:schemeClr val="tx1"/>
@@ -3989,23 +3948,152 @@
       </p:cxnSp>
       <p:cxnSp>
         <p:nvCxnSpPr>
-          <p:cNvPr id="11" name="직선 화살표 연결선 10">
-            <a:extLst>
-              <a:ext uri="{FF2B5EF4-FFF2-40B4-BE49-F238E27FC236}">
-                <a16:creationId xmlns:a16="http://schemas.microsoft.com/office/drawing/2014/main" id="{1A313B99-D162-78AA-D859-25C7F4A4F5AF}"/>
+          <p:cNvPr id="11" name="직선 연결선 10">
+            <a:extLst>
+              <a:ext uri="{FF2B5EF4-FFF2-40B4-BE49-F238E27FC236}">
+                <a16:creationId xmlns:a16="http://schemas.microsoft.com/office/drawing/2014/main" id="{A32BABEB-78F0-DAC5-479A-451C68E6A99A}"/>
               </a:ext>
             </a:extLst>
           </p:cNvPr>
           <p:cNvCxnSpPr>
             <a:cxnSpLocks/>
-            <a:stCxn id="6" idx="2"/>
+            <a:stCxn id="8" idx="4"/>
+            <a:endCxn id="5" idx="0"/>
           </p:cNvCxnSpPr>
           <p:nvPr/>
         </p:nvCxnSpPr>
         <p:spPr>
-          <a:xfrm flipH="1">
-            <a:off x="2294878" y="3326800"/>
-            <a:ext cx="619219" cy="336242"/>
+          <a:xfrm>
+            <a:off x="4059963" y="2032856"/>
+            <a:ext cx="291020" cy="710937"/>
+          </a:xfrm>
+          <a:prstGeom prst="line">
+            <a:avLst/>
+          </a:prstGeom>
+        </p:spPr>
+        <p:style>
+          <a:lnRef idx="1">
+            <a:schemeClr val="accent1"/>
+          </a:lnRef>
+          <a:fillRef idx="0">
+            <a:schemeClr val="accent1"/>
+          </a:fillRef>
+          <a:effectRef idx="0">
+            <a:schemeClr val="accent1"/>
+          </a:effectRef>
+          <a:fontRef idx="minor">
+            <a:schemeClr val="tx1"/>
+          </a:fontRef>
+        </p:style>
+      </p:cxnSp>
+      <p:sp>
+        <p:nvSpPr>
+          <p:cNvPr id="22" name="TextBox 21">
+            <a:extLst>
+              <a:ext uri="{FF2B5EF4-FFF2-40B4-BE49-F238E27FC236}">
+                <a16:creationId xmlns:a16="http://schemas.microsoft.com/office/drawing/2014/main" id="{052EFE2F-B079-5A8F-ED48-3403B941C907}"/>
+              </a:ext>
+            </a:extLst>
+          </p:cNvPr>
+          <p:cNvSpPr txBox="1"/>
+          <p:nvPr/>
+        </p:nvSpPr>
+        <p:spPr>
+          <a:xfrm>
+            <a:off x="742209" y="3602252"/>
+            <a:ext cx="9831096" cy="2308324"/>
+          </a:xfrm>
+          <a:prstGeom prst="rect">
+            <a:avLst/>
+          </a:prstGeom>
+          <a:noFill/>
+        </p:spPr>
+        <p:txBody>
+          <a:bodyPr wrap="square" rtlCol="0">
+            <a:spAutoFit/>
+          </a:bodyPr>
+          <a:lstStyle/>
+          <a:p>
+            <a:r>
+              <a:rPr lang="ko-KR" altLang="en-US" dirty="0"/>
+              <a:t>스테이지의 클리어가       </a:t>
+            </a:r>
+            <a:r>
+              <a:rPr lang="ko-KR" altLang="en-US" dirty="0" err="1"/>
+              <a:t>월드맵에</a:t>
+            </a:r>
+            <a:r>
+              <a:rPr lang="ko-KR" altLang="en-US" dirty="0"/>
+              <a:t> 변화를 </a:t>
+            </a:r>
+            <a:r>
+              <a:rPr lang="ko-KR" altLang="en-US" dirty="0" err="1"/>
+              <a:t>만듬</a:t>
+            </a:r>
+            <a:endParaRPr lang="en-US" altLang="ko-KR" dirty="0"/>
+          </a:p>
+          <a:p>
+            <a:endParaRPr lang="en-US" altLang="ko-KR" dirty="0"/>
+          </a:p>
+          <a:p>
+            <a:endParaRPr lang="en-US" altLang="ko-KR" dirty="0"/>
+          </a:p>
+          <a:p>
+            <a:r>
+              <a:rPr lang="en-US" altLang="ko-KR" dirty="0"/>
+              <a:t>	  		</a:t>
+            </a:r>
+            <a:r>
+              <a:rPr lang="ko-KR" altLang="en-US" dirty="0"/>
+              <a:t>모든 서브 스테이지 클리어하면</a:t>
+            </a:r>
+            <a:endParaRPr lang="en-US" altLang="ko-KR" dirty="0"/>
+          </a:p>
+          <a:p>
+            <a:endParaRPr lang="en-US" altLang="ko-KR" dirty="0"/>
+          </a:p>
+          <a:p>
+            <a:endParaRPr lang="en-US" altLang="ko-KR" dirty="0"/>
+          </a:p>
+          <a:p>
+            <a:endParaRPr lang="en-US" altLang="ko-KR" dirty="0"/>
+          </a:p>
+          <a:p>
+            <a:r>
+              <a:rPr lang="en-US" altLang="ko-KR" dirty="0"/>
+              <a:t>              		</a:t>
+            </a:r>
+            <a:r>
+              <a:rPr lang="ko-KR" altLang="en-US" dirty="0"/>
+              <a:t>그 변화들로 인해서 </a:t>
+            </a:r>
+            <a:r>
+              <a:rPr lang="ko-KR" altLang="en-US" dirty="0" err="1"/>
+              <a:t>월드맵</a:t>
+            </a:r>
+            <a:r>
+              <a:rPr lang="ko-KR" altLang="en-US" dirty="0"/>
+              <a:t> 자체를 클리어 할 수 있음</a:t>
+            </a:r>
+          </a:p>
+        </p:txBody>
+      </p:sp>
+      <p:cxnSp>
+        <p:nvCxnSpPr>
+          <p:cNvPr id="25" name="직선 화살표 연결선 24">
+            <a:extLst>
+              <a:ext uri="{FF2B5EF4-FFF2-40B4-BE49-F238E27FC236}">
+                <a16:creationId xmlns:a16="http://schemas.microsoft.com/office/drawing/2014/main" id="{4763E329-9AE2-6F0F-D687-389515EB3647}"/>
+              </a:ext>
+            </a:extLst>
+          </p:cNvPr>
+          <p:cNvCxnSpPr/>
+          <p:nvPr/>
+        </p:nvCxnSpPr>
+        <p:spPr>
+          <a:xfrm>
+            <a:off x="3019888" y="3813551"/>
+            <a:ext cx="334114" cy="0"/>
           </a:xfrm>
           <a:prstGeom prst="straightConnector1">
             <a:avLst/>
@@ -4015,14 +4103,14 @@
           </a:ln>
         </p:spPr>
         <p:style>
-          <a:lnRef idx="1">
-            <a:schemeClr val="dk1"/>
+          <a:lnRef idx="2">
+            <a:schemeClr val="accent1"/>
           </a:lnRef>
           <a:fillRef idx="0">
-            <a:schemeClr val="dk1"/>
+            <a:schemeClr val="accent1"/>
           </a:fillRef>
-          <a:effectRef idx="0">
-            <a:schemeClr val="dk1"/>
+          <a:effectRef idx="1">
+            <a:schemeClr val="accent1"/>
           </a:effectRef>
           <a:fontRef idx="minor">
             <a:schemeClr val="tx1"/>
@@ -4031,23 +4119,20 @@
       </p:cxnSp>
       <p:cxnSp>
         <p:nvCxnSpPr>
-          <p:cNvPr id="12" name="직선 화살표 연결선 11">
-            <a:extLst>
-              <a:ext uri="{FF2B5EF4-FFF2-40B4-BE49-F238E27FC236}">
-                <a16:creationId xmlns:a16="http://schemas.microsoft.com/office/drawing/2014/main" id="{D3599119-C221-C939-9E60-7DF56BA05A14}"/>
-              </a:ext>
-            </a:extLst>
-          </p:cNvPr>
-          <p:cNvCxnSpPr>
-            <a:cxnSpLocks/>
-            <a:stCxn id="6" idx="2"/>
-          </p:cNvCxnSpPr>
+          <p:cNvPr id="27" name="직선 화살표 연결선 26">
+            <a:extLst>
+              <a:ext uri="{FF2B5EF4-FFF2-40B4-BE49-F238E27FC236}">
+                <a16:creationId xmlns:a16="http://schemas.microsoft.com/office/drawing/2014/main" id="{B5762A2A-C91A-8F18-6381-44A60D2D2BCE}"/>
+              </a:ext>
+            </a:extLst>
+          </p:cNvPr>
+          <p:cNvCxnSpPr/>
           <p:nvPr/>
         </p:nvCxnSpPr>
         <p:spPr>
           <a:xfrm>
-            <a:off x="2914097" y="3326800"/>
-            <a:ext cx="765699" cy="336242"/>
+            <a:off x="4184804" y="4048217"/>
+            <a:ext cx="0" cy="292963"/>
           </a:xfrm>
           <a:prstGeom prst="straightConnector1">
             <a:avLst/>
@@ -4057,14 +4142,668 @@
           </a:ln>
         </p:spPr>
         <p:style>
-          <a:lnRef idx="1">
-            <a:schemeClr val="dk1"/>
+          <a:lnRef idx="2">
+            <a:schemeClr val="accent1"/>
           </a:lnRef>
           <a:fillRef idx="0">
-            <a:schemeClr val="dk1"/>
+            <a:schemeClr val="accent1"/>
+          </a:fillRef>
+          <a:effectRef idx="1">
+            <a:schemeClr val="accent1"/>
+          </a:effectRef>
+          <a:fontRef idx="minor">
+            <a:schemeClr val="tx1"/>
+          </a:fontRef>
+        </p:style>
+      </p:cxnSp>
+      <p:cxnSp>
+        <p:nvCxnSpPr>
+          <p:cNvPr id="29" name="직선 화살표 연결선 28">
+            <a:extLst>
+              <a:ext uri="{FF2B5EF4-FFF2-40B4-BE49-F238E27FC236}">
+                <a16:creationId xmlns:a16="http://schemas.microsoft.com/office/drawing/2014/main" id="{8143BC22-7040-DAAE-B962-A64FB2B63BBF}"/>
+              </a:ext>
+            </a:extLst>
+          </p:cNvPr>
+          <p:cNvCxnSpPr/>
+          <p:nvPr/>
+        </p:nvCxnSpPr>
+        <p:spPr>
+          <a:xfrm>
+            <a:off x="5019305" y="4891596"/>
+            <a:ext cx="0" cy="470516"/>
+          </a:xfrm>
+          <a:prstGeom prst="straightConnector1">
+            <a:avLst/>
+          </a:prstGeom>
+          <a:ln>
+            <a:tailEnd type="triangle"/>
+          </a:ln>
+        </p:spPr>
+        <p:style>
+          <a:lnRef idx="2">
+            <a:schemeClr val="accent1"/>
+          </a:lnRef>
+          <a:fillRef idx="0">
+            <a:schemeClr val="accent1"/>
+          </a:fillRef>
+          <a:effectRef idx="1">
+            <a:schemeClr val="accent1"/>
+          </a:effectRef>
+          <a:fontRef idx="minor">
+            <a:schemeClr val="tx1"/>
+          </a:fontRef>
+        </p:style>
+      </p:cxnSp>
+      <p:sp>
+        <p:nvSpPr>
+          <p:cNvPr id="30" name="TextBox 29">
+            <a:extLst>
+              <a:ext uri="{FF2B5EF4-FFF2-40B4-BE49-F238E27FC236}">
+                <a16:creationId xmlns:a16="http://schemas.microsoft.com/office/drawing/2014/main" id="{C42FDFB1-D4F8-81E0-398E-E65509AF26BE}"/>
+              </a:ext>
+            </a:extLst>
+          </p:cNvPr>
+          <p:cNvSpPr txBox="1"/>
+          <p:nvPr/>
+        </p:nvSpPr>
+        <p:spPr>
+          <a:xfrm>
+            <a:off x="339941" y="507323"/>
+            <a:ext cx="11512118" cy="369332"/>
+          </a:xfrm>
+          <a:prstGeom prst="rect">
+            <a:avLst/>
+          </a:prstGeom>
+          <a:noFill/>
+        </p:spPr>
+        <p:txBody>
+          <a:bodyPr wrap="square">
+            <a:spAutoFit/>
+          </a:bodyPr>
+          <a:lstStyle/>
+          <a:p>
+            <a:r>
+              <a:rPr lang="ko-KR" altLang="en-US" dirty="0"/>
+              <a:t>스테이지와 월드의 클리어</a:t>
+            </a:r>
+            <a:endParaRPr lang="en-US" altLang="ko-KR" dirty="0"/>
+          </a:p>
+        </p:txBody>
+      </p:sp>
+    </p:spTree>
+    <p:extLst>
+      <p:ext uri="{BB962C8B-B14F-4D97-AF65-F5344CB8AC3E}">
+        <p14:creationId xmlns:p14="http://schemas.microsoft.com/office/powerpoint/2010/main" val="3648324799"/>
+      </p:ext>
+    </p:extLst>
+  </p:cSld>
+  <p:clrMapOvr>
+    <a:masterClrMapping/>
+  </p:clrMapOvr>
+</p:sld>
+</file>
+
+<file path=ppt/slides/slide11.xml><?xml version="1.0" encoding="utf-8"?>
+<p:sld xmlns:a="http://schemas.openxmlformats.org/drawingml/2006/main" xmlns:r="http://schemas.openxmlformats.org/officeDocument/2006/relationships" xmlns:p="http://schemas.openxmlformats.org/presentationml/2006/main">
+  <p:cSld>
+    <p:spTree>
+      <p:nvGrpSpPr>
+        <p:cNvPr id="1" name=""/>
+        <p:cNvGrpSpPr/>
+        <p:nvPr/>
+      </p:nvGrpSpPr>
+      <p:grpSpPr>
+        <a:xfrm>
+          <a:off x="0" y="0"/>
+          <a:ext cx="0" cy="0"/>
+          <a:chOff x="0" y="0"/>
+          <a:chExt cx="0" cy="0"/>
+        </a:xfrm>
+      </p:grpSpPr>
+      <p:sp>
+        <p:nvSpPr>
+          <p:cNvPr id="4" name="사각형: 둥근 모서리 3">
+            <a:extLst>
+              <a:ext uri="{FF2B5EF4-FFF2-40B4-BE49-F238E27FC236}">
+                <a16:creationId xmlns:a16="http://schemas.microsoft.com/office/drawing/2014/main" id="{C5CE606C-FE3D-7709-61E7-FB0A10E7D3D7}"/>
+              </a:ext>
+            </a:extLst>
+          </p:cNvPr>
+          <p:cNvSpPr/>
+          <p:nvPr/>
+        </p:nvSpPr>
+        <p:spPr>
+          <a:xfrm>
+            <a:off x="2487317" y="2565834"/>
+            <a:ext cx="1717086" cy="862190"/>
+          </a:xfrm>
+          <a:prstGeom prst="roundRect">
+            <a:avLst/>
+          </a:prstGeom>
+          <a:solidFill>
+            <a:schemeClr val="bg1"/>
+          </a:solidFill>
+        </p:spPr>
+        <p:style>
+          <a:lnRef idx="2">
+            <a:schemeClr val="accent1">
+              <a:shade val="15000"/>
+            </a:schemeClr>
+          </a:lnRef>
+          <a:fillRef idx="1">
+            <a:schemeClr val="accent1"/>
           </a:fillRef>
           <a:effectRef idx="0">
-            <a:schemeClr val="dk1"/>
+            <a:schemeClr val="accent1"/>
+          </a:effectRef>
+          <a:fontRef idx="minor">
+            <a:schemeClr val="lt1"/>
+          </a:fontRef>
+        </p:style>
+        <p:txBody>
+          <a:bodyPr rtlCol="0" anchor="ctr"/>
+          <a:lstStyle/>
+          <a:p>
+            <a:pPr algn="ctr"/>
+            <a:r>
+              <a:rPr lang="ko-KR" altLang="en-US" dirty="0">
+                <a:solidFill>
+                  <a:schemeClr val="tx1"/>
+                </a:solidFill>
+              </a:rPr>
+              <a:t>메인 허브</a:t>
+            </a:r>
+          </a:p>
+        </p:txBody>
+      </p:sp>
+      <p:sp>
+        <p:nvSpPr>
+          <p:cNvPr id="5" name="직사각형 4">
+            <a:extLst>
+              <a:ext uri="{FF2B5EF4-FFF2-40B4-BE49-F238E27FC236}">
+                <a16:creationId xmlns:a16="http://schemas.microsoft.com/office/drawing/2014/main" id="{37329177-36E6-0226-8561-080E38900EAB}"/>
+              </a:ext>
+            </a:extLst>
+          </p:cNvPr>
+          <p:cNvSpPr/>
+          <p:nvPr/>
+        </p:nvSpPr>
+        <p:spPr>
+          <a:xfrm>
+            <a:off x="486789" y="2702940"/>
+            <a:ext cx="1100831" cy="798990"/>
+          </a:xfrm>
+          <a:prstGeom prst="rect">
+            <a:avLst/>
+          </a:prstGeom>
+          <a:solidFill>
+            <a:schemeClr val="bg1"/>
+          </a:solidFill>
+        </p:spPr>
+        <p:style>
+          <a:lnRef idx="2">
+            <a:schemeClr val="accent1">
+              <a:shade val="15000"/>
+            </a:schemeClr>
+          </a:lnRef>
+          <a:fillRef idx="1">
+            <a:schemeClr val="accent1"/>
+          </a:fillRef>
+          <a:effectRef idx="0">
+            <a:schemeClr val="accent1"/>
+          </a:effectRef>
+          <a:fontRef idx="minor">
+            <a:schemeClr val="lt1"/>
+          </a:fontRef>
+        </p:style>
+        <p:txBody>
+          <a:bodyPr rtlCol="0" anchor="ctr"/>
+          <a:lstStyle/>
+          <a:p>
+            <a:pPr algn="ctr"/>
+            <a:r>
+              <a:rPr lang="ko-KR" altLang="en-US" dirty="0">
+                <a:solidFill>
+                  <a:schemeClr val="tx1"/>
+                </a:solidFill>
+              </a:rPr>
+              <a:t>월드 </a:t>
+            </a:r>
+            <a:r>
+              <a:rPr lang="en-US" altLang="ko-KR" dirty="0">
+                <a:solidFill>
+                  <a:schemeClr val="tx1"/>
+                </a:solidFill>
+              </a:rPr>
+              <a:t>1</a:t>
+            </a:r>
+          </a:p>
+          <a:p>
+            <a:pPr algn="ctr"/>
+            <a:r>
+              <a:rPr lang="en-US" altLang="ko-KR" dirty="0">
+                <a:solidFill>
+                  <a:schemeClr val="tx1"/>
+                </a:solidFill>
+              </a:rPr>
+              <a:t>(</a:t>
+            </a:r>
+            <a:r>
+              <a:rPr lang="ko-KR" altLang="en-US" dirty="0">
+                <a:solidFill>
+                  <a:schemeClr val="tx1"/>
+                </a:solidFill>
+              </a:rPr>
+              <a:t>클리어</a:t>
+            </a:r>
+            <a:r>
+              <a:rPr lang="en-US" altLang="ko-KR" dirty="0">
+                <a:solidFill>
+                  <a:schemeClr val="tx1"/>
+                </a:solidFill>
+              </a:rPr>
+              <a:t>)</a:t>
+            </a:r>
+            <a:endParaRPr lang="ko-KR" altLang="en-US" dirty="0">
+              <a:solidFill>
+                <a:schemeClr val="tx1"/>
+              </a:solidFill>
+            </a:endParaRPr>
+          </a:p>
+        </p:txBody>
+      </p:sp>
+      <p:sp>
+        <p:nvSpPr>
+          <p:cNvPr id="6" name="직사각형 5">
+            <a:extLst>
+              <a:ext uri="{FF2B5EF4-FFF2-40B4-BE49-F238E27FC236}">
+                <a16:creationId xmlns:a16="http://schemas.microsoft.com/office/drawing/2014/main" id="{D3D43513-3759-2ED8-FB3A-BC0557249880}"/>
+              </a:ext>
+            </a:extLst>
+          </p:cNvPr>
+          <p:cNvSpPr/>
+          <p:nvPr/>
+        </p:nvSpPr>
+        <p:spPr>
+          <a:xfrm>
+            <a:off x="1178318" y="1357337"/>
+            <a:ext cx="1100831" cy="798990"/>
+          </a:xfrm>
+          <a:prstGeom prst="rect">
+            <a:avLst/>
+          </a:prstGeom>
+          <a:solidFill>
+            <a:schemeClr val="bg1"/>
+          </a:solidFill>
+        </p:spPr>
+        <p:style>
+          <a:lnRef idx="2">
+            <a:schemeClr val="accent1">
+              <a:shade val="15000"/>
+            </a:schemeClr>
+          </a:lnRef>
+          <a:fillRef idx="1">
+            <a:schemeClr val="accent1"/>
+          </a:fillRef>
+          <a:effectRef idx="0">
+            <a:schemeClr val="accent1"/>
+          </a:effectRef>
+          <a:fontRef idx="minor">
+            <a:schemeClr val="lt1"/>
+          </a:fontRef>
+        </p:style>
+        <p:txBody>
+          <a:bodyPr rtlCol="0" anchor="ctr"/>
+          <a:lstStyle/>
+          <a:p>
+            <a:pPr algn="ctr"/>
+            <a:r>
+              <a:rPr lang="ko-KR" altLang="en-US" dirty="0">
+                <a:solidFill>
+                  <a:schemeClr val="tx1"/>
+                </a:solidFill>
+              </a:rPr>
+              <a:t>월드 </a:t>
+            </a:r>
+            <a:r>
+              <a:rPr lang="en-US" altLang="ko-KR" dirty="0">
+                <a:solidFill>
+                  <a:schemeClr val="tx1"/>
+                </a:solidFill>
+              </a:rPr>
+              <a:t>2</a:t>
+            </a:r>
+            <a:endParaRPr lang="ko-KR" altLang="en-US" dirty="0">
+              <a:solidFill>
+                <a:schemeClr val="tx1"/>
+              </a:solidFill>
+            </a:endParaRPr>
+          </a:p>
+        </p:txBody>
+      </p:sp>
+      <p:cxnSp>
+        <p:nvCxnSpPr>
+          <p:cNvPr id="7" name="직선 연결선 6">
+            <a:extLst>
+              <a:ext uri="{FF2B5EF4-FFF2-40B4-BE49-F238E27FC236}">
+                <a16:creationId xmlns:a16="http://schemas.microsoft.com/office/drawing/2014/main" id="{EEA2482D-0626-0C6C-C6AC-DED3ED16700D}"/>
+              </a:ext>
+            </a:extLst>
+          </p:cNvPr>
+          <p:cNvCxnSpPr>
+            <a:cxnSpLocks/>
+            <a:stCxn id="5" idx="3"/>
+            <a:endCxn id="4" idx="1"/>
+          </p:cNvCxnSpPr>
+          <p:nvPr/>
+        </p:nvCxnSpPr>
+        <p:spPr>
+          <a:xfrm flipV="1">
+            <a:off x="1587620" y="2996929"/>
+            <a:ext cx="899697" cy="105506"/>
+          </a:xfrm>
+          <a:prstGeom prst="line">
+            <a:avLst/>
+          </a:prstGeom>
+        </p:spPr>
+        <p:style>
+          <a:lnRef idx="1">
+            <a:schemeClr val="accent1"/>
+          </a:lnRef>
+          <a:fillRef idx="0">
+            <a:schemeClr val="accent1"/>
+          </a:fillRef>
+          <a:effectRef idx="0">
+            <a:schemeClr val="accent1"/>
+          </a:effectRef>
+          <a:fontRef idx="minor">
+            <a:schemeClr val="tx1"/>
+          </a:fontRef>
+        </p:style>
+      </p:cxnSp>
+      <p:cxnSp>
+        <p:nvCxnSpPr>
+          <p:cNvPr id="8" name="직선 연결선 7">
+            <a:extLst>
+              <a:ext uri="{FF2B5EF4-FFF2-40B4-BE49-F238E27FC236}">
+                <a16:creationId xmlns:a16="http://schemas.microsoft.com/office/drawing/2014/main" id="{B7813A78-7FA5-4C41-5B2B-1E8B86D4CF3C}"/>
+              </a:ext>
+            </a:extLst>
+          </p:cNvPr>
+          <p:cNvCxnSpPr>
+            <a:cxnSpLocks/>
+            <a:stCxn id="6" idx="3"/>
+            <a:endCxn id="4" idx="0"/>
+          </p:cNvCxnSpPr>
+          <p:nvPr/>
+        </p:nvCxnSpPr>
+        <p:spPr>
+          <a:xfrm>
+            <a:off x="2279149" y="1756832"/>
+            <a:ext cx="1066711" cy="809002"/>
+          </a:xfrm>
+          <a:prstGeom prst="line">
+            <a:avLst/>
+          </a:prstGeom>
+        </p:spPr>
+        <p:style>
+          <a:lnRef idx="1">
+            <a:schemeClr val="accent1"/>
+          </a:lnRef>
+          <a:fillRef idx="0">
+            <a:schemeClr val="accent1"/>
+          </a:fillRef>
+          <a:effectRef idx="0">
+            <a:schemeClr val="accent1"/>
+          </a:effectRef>
+          <a:fontRef idx="minor">
+            <a:schemeClr val="tx1"/>
+          </a:fontRef>
+        </p:style>
+      </p:cxnSp>
+      <p:sp>
+        <p:nvSpPr>
+          <p:cNvPr id="9" name="TextBox 8">
+            <a:extLst>
+              <a:ext uri="{FF2B5EF4-FFF2-40B4-BE49-F238E27FC236}">
+                <a16:creationId xmlns:a16="http://schemas.microsoft.com/office/drawing/2014/main" id="{36C8E3CD-2FD5-38F9-8741-4F6A3F863FA6}"/>
+              </a:ext>
+            </a:extLst>
+          </p:cNvPr>
+          <p:cNvSpPr txBox="1"/>
+          <p:nvPr/>
+        </p:nvSpPr>
+        <p:spPr>
+          <a:xfrm>
+            <a:off x="4924242" y="1357337"/>
+            <a:ext cx="6517321" cy="954107"/>
+          </a:xfrm>
+          <a:prstGeom prst="rect">
+            <a:avLst/>
+          </a:prstGeom>
+          <a:noFill/>
+        </p:spPr>
+        <p:txBody>
+          <a:bodyPr wrap="square" rtlCol="0">
+            <a:spAutoFit/>
+          </a:bodyPr>
+          <a:lstStyle/>
+          <a:p>
+            <a:r>
+              <a:rPr lang="ko-KR" altLang="en-US" sz="1400" dirty="0"/>
+              <a:t>동일하게 월드를 클리어하면 메인 허브에 추가적인 변화가 생기고</a:t>
+            </a:r>
+            <a:r>
+              <a:rPr lang="en-US" altLang="ko-KR" sz="1400" dirty="0"/>
+              <a:t>,</a:t>
+            </a:r>
+          </a:p>
+          <a:p>
+            <a:endParaRPr lang="en-US" altLang="ko-KR" sz="1400" dirty="0"/>
+          </a:p>
+          <a:p>
+            <a:r>
+              <a:rPr lang="en-US" altLang="ko-KR" sz="1400" dirty="0"/>
+              <a:t>＂</a:t>
+            </a:r>
+            <a:r>
+              <a:rPr lang="ko-KR" altLang="en-US" sz="1400" dirty="0"/>
+              <a:t>메인 허브</a:t>
+            </a:r>
+            <a:r>
+              <a:rPr lang="en-US" altLang="ko-KR" sz="1400" dirty="0"/>
+              <a:t>＂</a:t>
+            </a:r>
+            <a:r>
+              <a:rPr lang="ko-KR" altLang="en-US" sz="1400" dirty="0"/>
+              <a:t>자체도 하나의 퍼즐로</a:t>
+            </a:r>
+            <a:r>
+              <a:rPr lang="en-US" altLang="ko-KR" sz="1400" dirty="0"/>
+              <a:t>, </a:t>
+            </a:r>
+            <a:r>
+              <a:rPr lang="ko-KR" altLang="en-US" sz="1400" dirty="0"/>
+              <a:t>모든 월드를 클리어하면 허브에 나타나는 변화로 인해 </a:t>
+            </a:r>
+            <a:r>
+              <a:rPr lang="en-US" altLang="ko-KR" sz="1400" dirty="0"/>
+              <a:t>“</a:t>
+            </a:r>
+            <a:r>
+              <a:rPr lang="ko-KR" altLang="en-US" sz="1400" dirty="0"/>
+              <a:t>메인 허브</a:t>
+            </a:r>
+            <a:r>
+              <a:rPr lang="en-US" altLang="ko-KR" sz="1400" dirty="0"/>
+              <a:t>” </a:t>
+            </a:r>
+            <a:r>
+              <a:rPr lang="ko-KR" altLang="en-US" sz="1400" dirty="0"/>
+              <a:t>자체를 클리어 할 수 있게 됨</a:t>
+            </a:r>
+            <a:r>
+              <a:rPr lang="en-US" altLang="ko-KR" sz="1400" dirty="0"/>
+              <a:t>. (</a:t>
+            </a:r>
+            <a:r>
+              <a:rPr lang="ko-KR" altLang="en-US" sz="1400" dirty="0"/>
+              <a:t>엔딩</a:t>
+            </a:r>
+            <a:r>
+              <a:rPr lang="en-US" altLang="ko-KR" sz="1400" dirty="0"/>
+              <a:t>)</a:t>
+            </a:r>
+            <a:endParaRPr lang="ko-KR" altLang="en-US" sz="1400" dirty="0"/>
+          </a:p>
+        </p:txBody>
+      </p:sp>
+      <p:sp>
+        <p:nvSpPr>
+          <p:cNvPr id="10" name="TextBox 9">
+            <a:extLst>
+              <a:ext uri="{FF2B5EF4-FFF2-40B4-BE49-F238E27FC236}">
+                <a16:creationId xmlns:a16="http://schemas.microsoft.com/office/drawing/2014/main" id="{A3AAC36C-8107-0B7B-28F2-A3F4E3B3F9BD}"/>
+              </a:ext>
+            </a:extLst>
+          </p:cNvPr>
+          <p:cNvSpPr txBox="1"/>
+          <p:nvPr/>
+        </p:nvSpPr>
+        <p:spPr>
+          <a:xfrm>
+            <a:off x="339941" y="507323"/>
+            <a:ext cx="11512118" cy="369332"/>
+          </a:xfrm>
+          <a:prstGeom prst="rect">
+            <a:avLst/>
+          </a:prstGeom>
+          <a:noFill/>
+        </p:spPr>
+        <p:txBody>
+          <a:bodyPr wrap="square">
+            <a:spAutoFit/>
+          </a:bodyPr>
+          <a:lstStyle/>
+          <a:p>
+            <a:r>
+              <a:rPr lang="ko-KR" altLang="en-US" dirty="0"/>
+              <a:t>게임의 클리어</a:t>
+            </a:r>
+            <a:endParaRPr lang="en-US" altLang="ko-KR" dirty="0"/>
+          </a:p>
+        </p:txBody>
+      </p:sp>
+      <p:sp>
+        <p:nvSpPr>
+          <p:cNvPr id="11" name="TextBox 10">
+            <a:extLst>
+              <a:ext uri="{FF2B5EF4-FFF2-40B4-BE49-F238E27FC236}">
+                <a16:creationId xmlns:a16="http://schemas.microsoft.com/office/drawing/2014/main" id="{72B2561C-5AC8-3FFA-3870-462B2002EB34}"/>
+              </a:ext>
+            </a:extLst>
+          </p:cNvPr>
+          <p:cNvSpPr txBox="1"/>
+          <p:nvPr/>
+        </p:nvSpPr>
+        <p:spPr>
+          <a:xfrm>
+            <a:off x="339941" y="3591289"/>
+            <a:ext cx="10828168" cy="2308324"/>
+          </a:xfrm>
+          <a:prstGeom prst="rect">
+            <a:avLst/>
+          </a:prstGeom>
+          <a:noFill/>
+        </p:spPr>
+        <p:txBody>
+          <a:bodyPr wrap="square" rtlCol="0">
+            <a:spAutoFit/>
+          </a:bodyPr>
+          <a:lstStyle/>
+          <a:p>
+            <a:r>
+              <a:rPr lang="ko-KR" altLang="en-US" dirty="0"/>
+              <a:t>월드의 클리어가       허브에 변화를 </a:t>
+            </a:r>
+            <a:r>
+              <a:rPr lang="ko-KR" altLang="en-US" dirty="0" err="1"/>
+              <a:t>만듬</a:t>
+            </a:r>
+            <a:endParaRPr lang="en-US" altLang="ko-KR" dirty="0"/>
+          </a:p>
+          <a:p>
+            <a:endParaRPr lang="en-US" altLang="ko-KR" dirty="0"/>
+          </a:p>
+          <a:p>
+            <a:endParaRPr lang="en-US" altLang="ko-KR" dirty="0"/>
+          </a:p>
+          <a:p>
+            <a:r>
+              <a:rPr lang="en-US" altLang="ko-KR" dirty="0"/>
+              <a:t>	  		</a:t>
+            </a:r>
+            <a:r>
+              <a:rPr lang="ko-KR" altLang="en-US" dirty="0"/>
+              <a:t>모든 월드를 클리어하면</a:t>
+            </a:r>
+            <a:endParaRPr lang="en-US" altLang="ko-KR" dirty="0"/>
+          </a:p>
+          <a:p>
+            <a:endParaRPr lang="en-US" altLang="ko-KR" dirty="0"/>
+          </a:p>
+          <a:p>
+            <a:endParaRPr lang="en-US" altLang="ko-KR" dirty="0"/>
+          </a:p>
+          <a:p>
+            <a:endParaRPr lang="en-US" altLang="ko-KR" dirty="0"/>
+          </a:p>
+          <a:p>
+            <a:r>
+              <a:rPr lang="en-US" altLang="ko-KR" dirty="0"/>
+              <a:t>              		</a:t>
+            </a:r>
+            <a:r>
+              <a:rPr lang="ko-KR" altLang="en-US" dirty="0"/>
+              <a:t>그 변화들로 인해서 허브 자체를 클리어 할 수 있음             게임 클리어</a:t>
+            </a:r>
+          </a:p>
+        </p:txBody>
+      </p:sp>
+      <p:cxnSp>
+        <p:nvCxnSpPr>
+          <p:cNvPr id="12" name="직선 화살표 연결선 11">
+            <a:extLst>
+              <a:ext uri="{FF2B5EF4-FFF2-40B4-BE49-F238E27FC236}">
+                <a16:creationId xmlns:a16="http://schemas.microsoft.com/office/drawing/2014/main" id="{1C05782E-DE00-B1BD-5843-8C8898D8EB5D}"/>
+              </a:ext>
+            </a:extLst>
+          </p:cNvPr>
+          <p:cNvCxnSpPr/>
+          <p:nvPr/>
+        </p:nvCxnSpPr>
+        <p:spPr>
+          <a:xfrm>
+            <a:off x="2112092" y="3811466"/>
+            <a:ext cx="334114" cy="0"/>
+          </a:xfrm>
+          <a:prstGeom prst="straightConnector1">
+            <a:avLst/>
+          </a:prstGeom>
+          <a:ln>
+            <a:tailEnd type="triangle"/>
+          </a:ln>
+        </p:spPr>
+        <p:style>
+          <a:lnRef idx="2">
+            <a:schemeClr val="accent1"/>
+          </a:lnRef>
+          <a:fillRef idx="0">
+            <a:schemeClr val="accent1"/>
+          </a:fillRef>
+          <a:effectRef idx="1">
+            <a:schemeClr val="accent1"/>
           </a:effectRef>
           <a:fontRef idx="minor">
             <a:schemeClr val="tx1"/>
@@ -4076,20 +4815,17 @@
           <p:cNvPr id="13" name="직선 화살표 연결선 12">
             <a:extLst>
               <a:ext uri="{FF2B5EF4-FFF2-40B4-BE49-F238E27FC236}">
-                <a16:creationId xmlns:a16="http://schemas.microsoft.com/office/drawing/2014/main" id="{4A969046-067A-EC85-1D53-632F0824AC47}"/>
-              </a:ext>
-            </a:extLst>
-          </p:cNvPr>
-          <p:cNvCxnSpPr>
-            <a:cxnSpLocks/>
-            <a:stCxn id="6" idx="2"/>
-          </p:cNvCxnSpPr>
+                <a16:creationId xmlns:a16="http://schemas.microsoft.com/office/drawing/2014/main" id="{C6E6026E-BE38-6D90-CC4F-0A8D46B48335}"/>
+              </a:ext>
+            </a:extLst>
+          </p:cNvPr>
+          <p:cNvCxnSpPr/>
           <p:nvPr/>
         </p:nvCxnSpPr>
         <p:spPr>
           <a:xfrm>
-            <a:off x="2914097" y="3326800"/>
-            <a:ext cx="1959745" cy="336242"/>
+            <a:off x="3782536" y="4037254"/>
+            <a:ext cx="0" cy="292963"/>
           </a:xfrm>
           <a:prstGeom prst="straightConnector1">
             <a:avLst/>
@@ -4099,14 +4835,14 @@
           </a:ln>
         </p:spPr>
         <p:style>
-          <a:lnRef idx="1">
-            <a:schemeClr val="dk1"/>
+          <a:lnRef idx="2">
+            <a:schemeClr val="accent1"/>
           </a:lnRef>
           <a:fillRef idx="0">
-            <a:schemeClr val="dk1"/>
+            <a:schemeClr val="accent1"/>
           </a:fillRef>
-          <a:effectRef idx="0">
-            <a:schemeClr val="dk1"/>
+          <a:effectRef idx="1">
+            <a:schemeClr val="accent1"/>
           </a:effectRef>
           <a:fontRef idx="minor">
             <a:schemeClr val="tx1"/>
@@ -4118,20 +4854,17 @@
           <p:cNvPr id="14" name="직선 화살표 연결선 13">
             <a:extLst>
               <a:ext uri="{FF2B5EF4-FFF2-40B4-BE49-F238E27FC236}">
-                <a16:creationId xmlns:a16="http://schemas.microsoft.com/office/drawing/2014/main" id="{8D8C374E-C3E1-FD3D-B7B3-2F20B1ACC84F}"/>
-              </a:ext>
-            </a:extLst>
-          </p:cNvPr>
-          <p:cNvCxnSpPr>
-            <a:cxnSpLocks/>
-            <a:endCxn id="8" idx="0"/>
-          </p:cNvCxnSpPr>
+                <a16:creationId xmlns:a16="http://schemas.microsoft.com/office/drawing/2014/main" id="{9EA054DB-AF1D-E9B1-9C06-1B364C15C191}"/>
+              </a:ext>
+            </a:extLst>
+          </p:cNvPr>
+          <p:cNvCxnSpPr/>
           <p:nvPr/>
         </p:nvCxnSpPr>
         <p:spPr>
           <a:xfrm>
-            <a:off x="1109709" y="4656793"/>
-            <a:ext cx="1824361" cy="391359"/>
+            <a:off x="4617037" y="4880633"/>
+            <a:ext cx="0" cy="470516"/>
           </a:xfrm>
           <a:prstGeom prst="straightConnector1">
             <a:avLst/>
@@ -4141,98 +4874,14 @@
           </a:ln>
         </p:spPr>
         <p:style>
-          <a:lnRef idx="1">
-            <a:schemeClr val="dk1"/>
+          <a:lnRef idx="2">
+            <a:schemeClr val="accent1"/>
           </a:lnRef>
           <a:fillRef idx="0">
-            <a:schemeClr val="dk1"/>
+            <a:schemeClr val="accent1"/>
           </a:fillRef>
-          <a:effectRef idx="0">
-            <a:schemeClr val="dk1"/>
-          </a:effectRef>
-          <a:fontRef idx="minor">
-            <a:schemeClr val="tx1"/>
-          </a:fontRef>
-        </p:style>
-      </p:cxnSp>
-      <p:cxnSp>
-        <p:nvCxnSpPr>
-          <p:cNvPr id="15" name="직선 화살표 연결선 14">
-            <a:extLst>
-              <a:ext uri="{FF2B5EF4-FFF2-40B4-BE49-F238E27FC236}">
-                <a16:creationId xmlns:a16="http://schemas.microsoft.com/office/drawing/2014/main" id="{E987733B-8DB4-F4DB-FD59-52216ECF7DC5}"/>
-              </a:ext>
-            </a:extLst>
-          </p:cNvPr>
-          <p:cNvCxnSpPr>
-            <a:cxnSpLocks/>
-            <a:endCxn id="8" idx="0"/>
-          </p:cNvCxnSpPr>
-          <p:nvPr/>
-        </p:nvCxnSpPr>
-        <p:spPr>
-          <a:xfrm>
-            <a:off x="2188345" y="4656793"/>
-            <a:ext cx="745725" cy="391359"/>
-          </a:xfrm>
-          <a:prstGeom prst="straightConnector1">
-            <a:avLst/>
-          </a:prstGeom>
-          <a:ln>
-            <a:tailEnd type="triangle"/>
-          </a:ln>
-        </p:spPr>
-        <p:style>
-          <a:lnRef idx="1">
-            <a:schemeClr val="dk1"/>
-          </a:lnRef>
-          <a:fillRef idx="0">
-            <a:schemeClr val="dk1"/>
-          </a:fillRef>
-          <a:effectRef idx="0">
-            <a:schemeClr val="dk1"/>
-          </a:effectRef>
-          <a:fontRef idx="minor">
-            <a:schemeClr val="tx1"/>
-          </a:fontRef>
-        </p:style>
-      </p:cxnSp>
-      <p:cxnSp>
-        <p:nvCxnSpPr>
-          <p:cNvPr id="16" name="직선 화살표 연결선 15">
-            <a:extLst>
-              <a:ext uri="{FF2B5EF4-FFF2-40B4-BE49-F238E27FC236}">
-                <a16:creationId xmlns:a16="http://schemas.microsoft.com/office/drawing/2014/main" id="{4238C915-5003-54F3-83D1-146D74365981}"/>
-              </a:ext>
-            </a:extLst>
-          </p:cNvPr>
-          <p:cNvCxnSpPr>
-            <a:cxnSpLocks/>
-            <a:endCxn id="8" idx="0"/>
-          </p:cNvCxnSpPr>
-          <p:nvPr/>
-        </p:nvCxnSpPr>
-        <p:spPr>
-          <a:xfrm flipH="1">
-            <a:off x="2934070" y="4656793"/>
-            <a:ext cx="639193" cy="391359"/>
-          </a:xfrm>
-          <a:prstGeom prst="straightConnector1">
-            <a:avLst/>
-          </a:prstGeom>
-          <a:ln>
-            <a:tailEnd type="triangle"/>
-          </a:ln>
-        </p:spPr>
-        <p:style>
-          <a:lnRef idx="1">
-            <a:schemeClr val="dk1"/>
-          </a:lnRef>
-          <a:fillRef idx="0">
-            <a:schemeClr val="dk1"/>
-          </a:fillRef>
-          <a:effectRef idx="0">
-            <a:schemeClr val="dk1"/>
+          <a:effectRef idx="1">
+            <a:schemeClr val="accent1"/>
           </a:effectRef>
           <a:fontRef idx="minor">
             <a:schemeClr val="tx1"/>
@@ -4244,20 +4893,536 @@
           <p:cNvPr id="17" name="직선 화살표 연결선 16">
             <a:extLst>
               <a:ext uri="{FF2B5EF4-FFF2-40B4-BE49-F238E27FC236}">
-                <a16:creationId xmlns:a16="http://schemas.microsoft.com/office/drawing/2014/main" id="{F23FB3A4-3B89-4AAF-6D13-342017E978A9}"/>
+                <a16:creationId xmlns:a16="http://schemas.microsoft.com/office/drawing/2014/main" id="{CABDDDE8-F505-7793-3C8D-8D5B0975FB8C}"/>
               </a:ext>
             </a:extLst>
           </p:cNvPr>
           <p:cNvCxnSpPr>
             <a:cxnSpLocks/>
-            <a:endCxn id="8" idx="0"/>
           </p:cNvCxnSpPr>
           <p:nvPr/>
         </p:nvCxnSpPr>
         <p:spPr>
-          <a:xfrm flipH="1">
-            <a:off x="2934070" y="4656793"/>
-            <a:ext cx="1833239" cy="391359"/>
+          <a:xfrm>
+            <a:off x="8613468" y="5664355"/>
+            <a:ext cx="672575" cy="0"/>
+          </a:xfrm>
+          <a:prstGeom prst="straightConnector1">
+            <a:avLst/>
+          </a:prstGeom>
+          <a:ln>
+            <a:tailEnd type="triangle"/>
+          </a:ln>
+        </p:spPr>
+        <p:style>
+          <a:lnRef idx="2">
+            <a:schemeClr val="accent1"/>
+          </a:lnRef>
+          <a:fillRef idx="0">
+            <a:schemeClr val="accent1"/>
+          </a:fillRef>
+          <a:effectRef idx="1">
+            <a:schemeClr val="accent1"/>
+          </a:effectRef>
+          <a:fontRef idx="minor">
+            <a:schemeClr val="tx1"/>
+          </a:fontRef>
+        </p:style>
+      </p:cxnSp>
+    </p:spTree>
+    <p:extLst>
+      <p:ext uri="{BB962C8B-B14F-4D97-AF65-F5344CB8AC3E}">
+        <p14:creationId xmlns:p14="http://schemas.microsoft.com/office/powerpoint/2010/main" val="1079499430"/>
+      </p:ext>
+    </p:extLst>
+  </p:cSld>
+  <p:clrMapOvr>
+    <a:masterClrMapping/>
+  </p:clrMapOvr>
+</p:sld>
+</file>
+
+<file path=ppt/slides/slide12.xml><?xml version="1.0" encoding="utf-8"?>
+<p:sld xmlns:a="http://schemas.openxmlformats.org/drawingml/2006/main" xmlns:r="http://schemas.openxmlformats.org/officeDocument/2006/relationships" xmlns:p="http://schemas.openxmlformats.org/presentationml/2006/main">
+  <p:cSld>
+    <p:spTree>
+      <p:nvGrpSpPr>
+        <p:cNvPr id="1" name=""/>
+        <p:cNvGrpSpPr/>
+        <p:nvPr/>
+      </p:nvGrpSpPr>
+      <p:grpSpPr>
+        <a:xfrm>
+          <a:off x="0" y="0"/>
+          <a:ext cx="0" cy="0"/>
+          <a:chOff x="0" y="0"/>
+          <a:chExt cx="0" cy="0"/>
+        </a:xfrm>
+      </p:grpSpPr>
+      <p:sp>
+        <p:nvSpPr>
+          <p:cNvPr id="4" name="TextBox 3">
+            <a:extLst>
+              <a:ext uri="{FF2B5EF4-FFF2-40B4-BE49-F238E27FC236}">
+                <a16:creationId xmlns:a16="http://schemas.microsoft.com/office/drawing/2014/main" id="{3375BA9C-CCE2-7352-7625-B6D6E20005A2}"/>
+              </a:ext>
+            </a:extLst>
+          </p:cNvPr>
+          <p:cNvSpPr txBox="1"/>
+          <p:nvPr/>
+        </p:nvSpPr>
+        <p:spPr>
+          <a:xfrm>
+            <a:off x="399495" y="284085"/>
+            <a:ext cx="8451542" cy="369332"/>
+          </a:xfrm>
+          <a:prstGeom prst="rect">
+            <a:avLst/>
+          </a:prstGeom>
+          <a:noFill/>
+        </p:spPr>
+        <p:txBody>
+          <a:bodyPr wrap="square" rtlCol="0">
+            <a:spAutoFit/>
+          </a:bodyPr>
+          <a:lstStyle/>
+          <a:p>
+            <a:r>
+              <a:rPr lang="ko-KR" altLang="en-US" dirty="0"/>
+              <a:t>개발 현황 </a:t>
+            </a:r>
+            <a:r>
+              <a:rPr lang="en-US" altLang="ko-KR" dirty="0"/>
+              <a:t>/ </a:t>
+            </a:r>
+            <a:r>
+              <a:rPr lang="ko-KR" altLang="en-US" dirty="0"/>
+              <a:t>예상 개발 과정</a:t>
+            </a:r>
+          </a:p>
+        </p:txBody>
+      </p:sp>
+      <p:sp>
+        <p:nvSpPr>
+          <p:cNvPr id="5" name="직사각형 4">
+            <a:extLst>
+              <a:ext uri="{FF2B5EF4-FFF2-40B4-BE49-F238E27FC236}">
+                <a16:creationId xmlns:a16="http://schemas.microsoft.com/office/drawing/2014/main" id="{073920E9-5BA2-4776-75B3-C0C9BA2D5014}"/>
+              </a:ext>
+            </a:extLst>
+          </p:cNvPr>
+          <p:cNvSpPr/>
+          <p:nvPr/>
+        </p:nvSpPr>
+        <p:spPr>
+          <a:xfrm>
+            <a:off x="1214290" y="1056426"/>
+            <a:ext cx="3399614" cy="967665"/>
+          </a:xfrm>
+          <a:prstGeom prst="rect">
+            <a:avLst/>
+          </a:prstGeom>
+          <a:solidFill>
+            <a:schemeClr val="bg1"/>
+          </a:solidFill>
+        </p:spPr>
+        <p:style>
+          <a:lnRef idx="2">
+            <a:schemeClr val="accent1">
+              <a:shade val="15000"/>
+            </a:schemeClr>
+          </a:lnRef>
+          <a:fillRef idx="1">
+            <a:schemeClr val="accent1"/>
+          </a:fillRef>
+          <a:effectRef idx="0">
+            <a:schemeClr val="accent1"/>
+          </a:effectRef>
+          <a:fontRef idx="minor">
+            <a:schemeClr val="lt1"/>
+          </a:fontRef>
+        </p:style>
+        <p:txBody>
+          <a:bodyPr rtlCol="0" anchor="ctr"/>
+          <a:lstStyle/>
+          <a:p>
+            <a:pPr algn="ctr"/>
+            <a:r>
+              <a:rPr lang="ko-KR" altLang="en-US" dirty="0">
+                <a:solidFill>
+                  <a:schemeClr val="tx1"/>
+                </a:solidFill>
+              </a:rPr>
+              <a:t>기본 기능 구현</a:t>
+            </a:r>
+            <a:br>
+              <a:rPr lang="en-US" altLang="ko-KR" dirty="0">
+                <a:solidFill>
+                  <a:schemeClr val="tx1"/>
+                </a:solidFill>
+              </a:rPr>
+            </a:br>
+            <a:r>
+              <a:rPr lang="en-US" altLang="ko-KR" dirty="0">
+                <a:solidFill>
+                  <a:schemeClr val="tx1"/>
+                </a:solidFill>
+              </a:rPr>
+              <a:t>(</a:t>
+            </a:r>
+            <a:r>
+              <a:rPr lang="ko-KR" altLang="en-US" dirty="0">
+                <a:solidFill>
+                  <a:schemeClr val="tx1"/>
+                </a:solidFill>
+              </a:rPr>
+              <a:t>이동</a:t>
+            </a:r>
+            <a:r>
+              <a:rPr lang="en-US" altLang="ko-KR" dirty="0">
+                <a:solidFill>
+                  <a:schemeClr val="tx1"/>
+                </a:solidFill>
+              </a:rPr>
+              <a:t>, </a:t>
+            </a:r>
+            <a:r>
+              <a:rPr lang="ko-KR" altLang="en-US" dirty="0">
+                <a:solidFill>
+                  <a:schemeClr val="tx1"/>
+                </a:solidFill>
+              </a:rPr>
+              <a:t>상호작용</a:t>
+            </a:r>
+            <a:r>
+              <a:rPr lang="en-US" altLang="ko-KR" dirty="0">
+                <a:solidFill>
+                  <a:schemeClr val="tx1"/>
+                </a:solidFill>
+              </a:rPr>
+              <a:t>, </a:t>
+            </a:r>
+            <a:r>
+              <a:rPr lang="ko-KR" altLang="en-US" dirty="0">
+                <a:solidFill>
+                  <a:schemeClr val="tx1"/>
+                </a:solidFill>
+              </a:rPr>
+              <a:t>카메라</a:t>
+            </a:r>
+            <a:r>
+              <a:rPr lang="en-US" altLang="ko-KR" dirty="0">
+                <a:solidFill>
+                  <a:schemeClr val="tx1"/>
+                </a:solidFill>
+              </a:rPr>
+              <a:t>)</a:t>
+            </a:r>
+            <a:endParaRPr lang="ko-KR" altLang="en-US" dirty="0">
+              <a:solidFill>
+                <a:schemeClr val="tx1"/>
+              </a:solidFill>
+            </a:endParaRPr>
+          </a:p>
+        </p:txBody>
+      </p:sp>
+      <p:sp>
+        <p:nvSpPr>
+          <p:cNvPr id="6" name="직사각형 5">
+            <a:extLst>
+              <a:ext uri="{FF2B5EF4-FFF2-40B4-BE49-F238E27FC236}">
+                <a16:creationId xmlns:a16="http://schemas.microsoft.com/office/drawing/2014/main" id="{A309D05C-9DEF-659B-C9D0-6615B2DE7299}"/>
+              </a:ext>
+            </a:extLst>
+          </p:cNvPr>
+          <p:cNvSpPr/>
+          <p:nvPr/>
+        </p:nvSpPr>
+        <p:spPr>
+          <a:xfrm>
+            <a:off x="2148397" y="2359135"/>
+            <a:ext cx="1531399" cy="967665"/>
+          </a:xfrm>
+          <a:prstGeom prst="rect">
+            <a:avLst/>
+          </a:prstGeom>
+          <a:solidFill>
+            <a:schemeClr val="bg1"/>
+          </a:solidFill>
+        </p:spPr>
+        <p:style>
+          <a:lnRef idx="2">
+            <a:schemeClr val="accent1">
+              <a:shade val="15000"/>
+            </a:schemeClr>
+          </a:lnRef>
+          <a:fillRef idx="1">
+            <a:schemeClr val="accent1"/>
+          </a:fillRef>
+          <a:effectRef idx="0">
+            <a:schemeClr val="accent1"/>
+          </a:effectRef>
+          <a:fontRef idx="minor">
+            <a:schemeClr val="lt1"/>
+          </a:fontRef>
+        </p:style>
+        <p:txBody>
+          <a:bodyPr rtlCol="0" anchor="ctr"/>
+          <a:lstStyle/>
+          <a:p>
+            <a:pPr algn="ctr"/>
+            <a:r>
+              <a:rPr lang="ko-KR" altLang="en-US" dirty="0">
+                <a:solidFill>
+                  <a:schemeClr val="tx1"/>
+                </a:solidFill>
+              </a:rPr>
+              <a:t>허브</a:t>
+            </a:r>
+            <a:r>
+              <a:rPr lang="en-US" altLang="ko-KR" dirty="0">
+                <a:solidFill>
+                  <a:schemeClr val="tx1"/>
+                </a:solidFill>
+              </a:rPr>
+              <a:t>, </a:t>
+            </a:r>
+            <a:r>
+              <a:rPr lang="ko-KR" altLang="en-US" dirty="0">
+                <a:solidFill>
+                  <a:schemeClr val="tx1"/>
+                </a:solidFill>
+              </a:rPr>
+              <a:t>월드 </a:t>
+            </a:r>
+            <a:r>
+              <a:rPr lang="en-US" altLang="ko-KR" dirty="0">
+                <a:solidFill>
+                  <a:schemeClr val="tx1"/>
+                </a:solidFill>
+              </a:rPr>
+              <a:t>1 </a:t>
+            </a:r>
+            <a:r>
+              <a:rPr lang="ko-KR" altLang="en-US" dirty="0">
+                <a:solidFill>
+                  <a:schemeClr val="tx1"/>
+                </a:solidFill>
+              </a:rPr>
+              <a:t>제작</a:t>
+            </a:r>
+          </a:p>
+        </p:txBody>
+      </p:sp>
+      <p:sp>
+        <p:nvSpPr>
+          <p:cNvPr id="7" name="직사각형 6">
+            <a:extLst>
+              <a:ext uri="{FF2B5EF4-FFF2-40B4-BE49-F238E27FC236}">
+                <a16:creationId xmlns:a16="http://schemas.microsoft.com/office/drawing/2014/main" id="{61B1E7DB-1529-5749-F6A3-CBD2F605A2AC}"/>
+              </a:ext>
+            </a:extLst>
+          </p:cNvPr>
+          <p:cNvSpPr/>
+          <p:nvPr/>
+        </p:nvSpPr>
+        <p:spPr>
+          <a:xfrm>
+            <a:off x="1367165" y="3676085"/>
+            <a:ext cx="3142692" cy="967665"/>
+          </a:xfrm>
+          <a:prstGeom prst="rect">
+            <a:avLst/>
+          </a:prstGeom>
+          <a:solidFill>
+            <a:schemeClr val="bg1"/>
+          </a:solidFill>
+        </p:spPr>
+        <p:style>
+          <a:lnRef idx="2">
+            <a:schemeClr val="accent1">
+              <a:shade val="15000"/>
+            </a:schemeClr>
+          </a:lnRef>
+          <a:fillRef idx="1">
+            <a:schemeClr val="accent1"/>
+          </a:fillRef>
+          <a:effectRef idx="0">
+            <a:schemeClr val="accent1"/>
+          </a:effectRef>
+          <a:fontRef idx="minor">
+            <a:schemeClr val="lt1"/>
+          </a:fontRef>
+        </p:style>
+        <p:txBody>
+          <a:bodyPr rtlCol="0" anchor="ctr"/>
+          <a:lstStyle/>
+          <a:p>
+            <a:pPr algn="ctr"/>
+            <a:r>
+              <a:rPr lang="ko-KR" altLang="en-US" dirty="0">
+                <a:solidFill>
+                  <a:schemeClr val="tx1"/>
+                </a:solidFill>
+              </a:rPr>
+              <a:t>월드 </a:t>
+            </a:r>
+            <a:r>
+              <a:rPr lang="en-US" altLang="ko-KR" dirty="0">
+                <a:solidFill>
+                  <a:schemeClr val="tx1"/>
+                </a:solidFill>
+              </a:rPr>
+              <a:t>2~4</a:t>
+            </a:r>
+            <a:r>
+              <a:rPr lang="ko-KR" altLang="en-US" dirty="0">
+                <a:solidFill>
+                  <a:schemeClr val="tx1"/>
+                </a:solidFill>
+              </a:rPr>
+              <a:t>제작</a:t>
+            </a:r>
+            <a:endParaRPr lang="en-US" altLang="ko-KR" dirty="0">
+              <a:solidFill>
+                <a:schemeClr val="tx1"/>
+              </a:solidFill>
+            </a:endParaRPr>
+          </a:p>
+          <a:p>
+            <a:pPr algn="ctr"/>
+            <a:r>
+              <a:rPr lang="ko-KR" altLang="en-US" sz="1400" dirty="0">
+                <a:solidFill>
+                  <a:schemeClr val="tx1"/>
+                </a:solidFill>
+              </a:rPr>
+              <a:t>각 퍼즐 요소에 쓰이는</a:t>
+            </a:r>
+            <a:endParaRPr lang="en-US" altLang="ko-KR" sz="1400" dirty="0">
+              <a:solidFill>
+                <a:schemeClr val="tx1"/>
+              </a:solidFill>
+            </a:endParaRPr>
+          </a:p>
+          <a:p>
+            <a:pPr algn="ctr"/>
+            <a:r>
+              <a:rPr lang="ko-KR" altLang="en-US" sz="1400" dirty="0">
+                <a:solidFill>
+                  <a:schemeClr val="tx1"/>
+                </a:solidFill>
+              </a:rPr>
+              <a:t>오브젝트와 상호작용도 각자 개발</a:t>
+            </a:r>
+          </a:p>
+        </p:txBody>
+      </p:sp>
+      <p:sp>
+        <p:nvSpPr>
+          <p:cNvPr id="8" name="직사각형 7">
+            <a:extLst>
+              <a:ext uri="{FF2B5EF4-FFF2-40B4-BE49-F238E27FC236}">
+                <a16:creationId xmlns:a16="http://schemas.microsoft.com/office/drawing/2014/main" id="{58A77EF4-EDF0-DBC5-D7A0-BB0F2FABECC8}"/>
+              </a:ext>
+            </a:extLst>
+          </p:cNvPr>
+          <p:cNvSpPr/>
+          <p:nvPr/>
+        </p:nvSpPr>
+        <p:spPr>
+          <a:xfrm>
+            <a:off x="2221638" y="4978794"/>
+            <a:ext cx="1384918" cy="967665"/>
+          </a:xfrm>
+          <a:prstGeom prst="rect">
+            <a:avLst/>
+          </a:prstGeom>
+          <a:solidFill>
+            <a:schemeClr val="bg1"/>
+          </a:solidFill>
+        </p:spPr>
+        <p:style>
+          <a:lnRef idx="2">
+            <a:schemeClr val="accent1">
+              <a:shade val="15000"/>
+            </a:schemeClr>
+          </a:lnRef>
+          <a:fillRef idx="1">
+            <a:schemeClr val="accent1"/>
+          </a:fillRef>
+          <a:effectRef idx="0">
+            <a:schemeClr val="accent1"/>
+          </a:effectRef>
+          <a:fontRef idx="minor">
+            <a:schemeClr val="lt1"/>
+          </a:fontRef>
+        </p:style>
+        <p:txBody>
+          <a:bodyPr rtlCol="0" anchor="ctr"/>
+          <a:lstStyle/>
+          <a:p>
+            <a:pPr algn="ctr"/>
+            <a:r>
+              <a:rPr lang="ko-KR" altLang="en-US" dirty="0">
+                <a:solidFill>
+                  <a:schemeClr val="tx1"/>
+                </a:solidFill>
+              </a:rPr>
+              <a:t>메인 허브 퍼즐 완성</a:t>
+            </a:r>
+            <a:r>
+              <a:rPr lang="en-US" altLang="ko-KR" dirty="0">
+                <a:solidFill>
+                  <a:schemeClr val="tx1"/>
+                </a:solidFill>
+              </a:rPr>
+              <a:t>(</a:t>
+            </a:r>
+            <a:r>
+              <a:rPr lang="ko-KR" altLang="en-US" dirty="0">
+                <a:solidFill>
+                  <a:schemeClr val="tx1"/>
+                </a:solidFill>
+              </a:rPr>
+              <a:t>엔딩</a:t>
+            </a:r>
+            <a:r>
+              <a:rPr lang="en-US" altLang="ko-KR" dirty="0">
+                <a:solidFill>
+                  <a:schemeClr val="tx1"/>
+                </a:solidFill>
+              </a:rPr>
+              <a:t>)</a:t>
+            </a:r>
+            <a:endParaRPr lang="ko-KR" altLang="en-US" dirty="0">
+              <a:solidFill>
+                <a:schemeClr val="tx1"/>
+              </a:solidFill>
+            </a:endParaRPr>
+          </a:p>
+        </p:txBody>
+      </p:sp>
+      <p:cxnSp>
+        <p:nvCxnSpPr>
+          <p:cNvPr id="9" name="직선 화살표 연결선 8">
+            <a:extLst>
+              <a:ext uri="{FF2B5EF4-FFF2-40B4-BE49-F238E27FC236}">
+                <a16:creationId xmlns:a16="http://schemas.microsoft.com/office/drawing/2014/main" id="{674146B2-4A47-7115-DD6C-6B378E99C45F}"/>
+              </a:ext>
+            </a:extLst>
+          </p:cNvPr>
+          <p:cNvCxnSpPr>
+            <a:cxnSpLocks/>
+            <a:stCxn id="5" idx="2"/>
+            <a:endCxn id="6" idx="0"/>
+          </p:cNvCxnSpPr>
+          <p:nvPr/>
+        </p:nvCxnSpPr>
+        <p:spPr>
+          <a:xfrm>
+            <a:off x="2914097" y="2024091"/>
+            <a:ext cx="0" cy="335044"/>
           </a:xfrm>
           <a:prstGeom prst="straightConnector1">
             <a:avLst/>
@@ -4297,7 +5462,7 @@
         </p:nvCxnSpPr>
         <p:spPr>
           <a:xfrm flipH="1">
-            <a:off x="4190261" y="2823099"/>
+            <a:off x="3919491" y="2638433"/>
             <a:ext cx="1180731" cy="0"/>
           </a:xfrm>
           <a:prstGeom prst="straightConnector1">
@@ -4336,7 +5501,7 @@
         </p:nvSpPr>
         <p:spPr>
           <a:xfrm>
-            <a:off x="5633889" y="2638433"/>
+            <a:off x="5211191" y="2417094"/>
             <a:ext cx="1704513" cy="369332"/>
           </a:xfrm>
           <a:prstGeom prst="rect">
@@ -4371,7 +5536,7 @@
         </p:nvSpPr>
         <p:spPr>
           <a:xfrm>
-            <a:off x="5633889" y="3528105"/>
+            <a:off x="5211191" y="4015257"/>
             <a:ext cx="6517321" cy="2462213"/>
           </a:xfrm>
           <a:prstGeom prst="rect">
@@ -4397,7 +5562,7 @@
           <a:p>
             <a:r>
               <a:rPr lang="ko-KR" altLang="en-US" sz="1400" dirty="0"/>
-              <a:t>스테이지 하나 만드는데 </a:t>
+              <a:t>스테이지 하나 만드는데 약 </a:t>
             </a:r>
             <a:r>
               <a:rPr lang="en-US" altLang="ko-KR" sz="1400" dirty="0"/>
@@ -4405,7 +5570,7 @@
             </a:r>
             <a:r>
               <a:rPr lang="ko-KR" altLang="en-US" sz="1400" dirty="0"/>
-              <a:t>일정도 걸림</a:t>
+              <a:t>일</a:t>
             </a:r>
             <a:endParaRPr lang="en-US" altLang="ko-KR" sz="1400" dirty="0"/>
           </a:p>
@@ -4430,6 +5595,22 @@
           <a:p>
             <a:r>
               <a:rPr lang="ko-KR" altLang="en-US" sz="1400" dirty="0"/>
+              <a:t>월드 </a:t>
+            </a:r>
+            <a:r>
+              <a:rPr lang="en-US" altLang="ko-KR" sz="1400" dirty="0"/>
+              <a:t>2~4</a:t>
+            </a:r>
+            <a:r>
+              <a:rPr lang="ko-KR" altLang="en-US" sz="1400" dirty="0"/>
+              <a:t>는</a:t>
+            </a:r>
+            <a:r>
+              <a:rPr lang="en-US" altLang="ko-KR" sz="1400" dirty="0"/>
+              <a:t> </a:t>
+            </a:r>
+            <a:r>
+              <a:rPr lang="ko-KR" altLang="en-US" sz="1400" dirty="0"/>
               <a:t>조장</a:t>
             </a:r>
             <a:r>
@@ -4456,11 +5637,11 @@
           <a:p>
             <a:r>
               <a:rPr lang="ko-KR" altLang="en-US" sz="1400" dirty="0"/>
-              <a:t>월드 하나 만드는데 </a:t>
+              <a:t>월드 하나 만드는데 약 </a:t>
             </a:r>
             <a:r>
               <a:rPr lang="en-US" altLang="ko-KR" sz="1400" dirty="0"/>
-              <a:t>10~20</a:t>
+              <a:t>20</a:t>
             </a:r>
             <a:r>
               <a:rPr lang="ko-KR" altLang="en-US" sz="1400" dirty="0"/>
@@ -4481,7 +5662,7 @@
             </a:br>
             <a:r>
               <a:rPr lang="ko-KR" altLang="en-US" sz="1400" dirty="0"/>
-              <a:t>게임 완성까지 앞으로 한달 정도 예상</a:t>
+              <a:t>방학 끝나기 전에 게임 완성 예상</a:t>
             </a:r>
           </a:p>
         </p:txBody>
@@ -4500,7 +5681,7 @@
         </p:nvSpPr>
         <p:spPr>
           <a:xfrm>
-            <a:off x="5521355" y="1384315"/>
+            <a:off x="5211190" y="1056426"/>
             <a:ext cx="6517321" cy="523220"/>
           </a:xfrm>
           <a:prstGeom prst="rect">
@@ -4515,12 +5696,16 @@
           <a:lstStyle/>
           <a:p>
             <a:r>
+              <a:rPr lang="en-US" altLang="ko-KR" sz="1400" dirty="0"/>
+              <a:t>12</a:t>
+            </a:r>
+            <a:r>
               <a:rPr lang="ko-KR" altLang="en-US" sz="1400" dirty="0"/>
-              <a:t>종강 전까지 기획</a:t>
+              <a:t>월까지</a:t>
             </a:r>
             <a:r>
               <a:rPr lang="en-US" altLang="ko-KR" sz="1400" dirty="0"/>
-              <a:t>, </a:t>
+              <a:t> </a:t>
             </a:r>
             <a:r>
               <a:rPr lang="ko-KR" altLang="en-US" sz="1400" dirty="0"/>
@@ -4540,6 +5725,164 @@
             <a:r>
               <a:rPr lang="ko-KR" altLang="en-US" sz="1400" dirty="0"/>
               <a:t>월에 시작함</a:t>
+            </a:r>
+          </a:p>
+        </p:txBody>
+      </p:sp>
+      <p:cxnSp>
+        <p:nvCxnSpPr>
+          <p:cNvPr id="2" name="직선 화살표 연결선 1">
+            <a:extLst>
+              <a:ext uri="{FF2B5EF4-FFF2-40B4-BE49-F238E27FC236}">
+                <a16:creationId xmlns:a16="http://schemas.microsoft.com/office/drawing/2014/main" id="{4DEBB4F7-7C76-78E4-CE8D-A475740966B5}"/>
+              </a:ext>
+            </a:extLst>
+          </p:cNvPr>
+          <p:cNvCxnSpPr>
+            <a:cxnSpLocks/>
+          </p:cNvCxnSpPr>
+          <p:nvPr/>
+        </p:nvCxnSpPr>
+        <p:spPr>
+          <a:xfrm>
+            <a:off x="2914097" y="3341041"/>
+            <a:ext cx="0" cy="335044"/>
+          </a:xfrm>
+          <a:prstGeom prst="straightConnector1">
+            <a:avLst/>
+          </a:prstGeom>
+          <a:ln>
+            <a:tailEnd type="triangle"/>
+          </a:ln>
+        </p:spPr>
+        <p:style>
+          <a:lnRef idx="1">
+            <a:schemeClr val="dk1"/>
+          </a:lnRef>
+          <a:fillRef idx="0">
+            <a:schemeClr val="dk1"/>
+          </a:fillRef>
+          <a:effectRef idx="0">
+            <a:schemeClr val="dk1"/>
+          </a:effectRef>
+          <a:fontRef idx="minor">
+            <a:schemeClr val="tx1"/>
+          </a:fontRef>
+        </p:style>
+      </p:cxnSp>
+      <p:cxnSp>
+        <p:nvCxnSpPr>
+          <p:cNvPr id="3" name="직선 화살표 연결선 2">
+            <a:extLst>
+              <a:ext uri="{FF2B5EF4-FFF2-40B4-BE49-F238E27FC236}">
+                <a16:creationId xmlns:a16="http://schemas.microsoft.com/office/drawing/2014/main" id="{15EA5235-C7A3-D050-5F68-D211FB8E2E97}"/>
+              </a:ext>
+            </a:extLst>
+          </p:cNvPr>
+          <p:cNvCxnSpPr>
+            <a:cxnSpLocks/>
+          </p:cNvCxnSpPr>
+          <p:nvPr/>
+        </p:nvCxnSpPr>
+        <p:spPr>
+          <a:xfrm>
+            <a:off x="2894124" y="4643750"/>
+            <a:ext cx="0" cy="335044"/>
+          </a:xfrm>
+          <a:prstGeom prst="straightConnector1">
+            <a:avLst/>
+          </a:prstGeom>
+          <a:ln>
+            <a:tailEnd type="triangle"/>
+          </a:ln>
+        </p:spPr>
+        <p:style>
+          <a:lnRef idx="1">
+            <a:schemeClr val="dk1"/>
+          </a:lnRef>
+          <a:fillRef idx="0">
+            <a:schemeClr val="dk1"/>
+          </a:fillRef>
+          <a:effectRef idx="0">
+            <a:schemeClr val="dk1"/>
+          </a:effectRef>
+          <a:fontRef idx="minor">
+            <a:schemeClr val="tx1"/>
+          </a:fontRef>
+        </p:style>
+      </p:cxnSp>
+      <p:cxnSp>
+        <p:nvCxnSpPr>
+          <p:cNvPr id="18" name="직선 화살표 연결선 17">
+            <a:extLst>
+              <a:ext uri="{FF2B5EF4-FFF2-40B4-BE49-F238E27FC236}">
+                <a16:creationId xmlns:a16="http://schemas.microsoft.com/office/drawing/2014/main" id="{95390116-893F-04C4-AA39-7B50722C60C7}"/>
+              </a:ext>
+            </a:extLst>
+          </p:cNvPr>
+          <p:cNvCxnSpPr>
+            <a:cxnSpLocks/>
+          </p:cNvCxnSpPr>
+          <p:nvPr/>
+        </p:nvCxnSpPr>
+        <p:spPr>
+          <a:xfrm flipH="1">
+            <a:off x="4613904" y="3515557"/>
+            <a:ext cx="233304" cy="160528"/>
+          </a:xfrm>
+          <a:prstGeom prst="straightConnector1">
+            <a:avLst/>
+          </a:prstGeom>
+          <a:ln>
+            <a:tailEnd type="triangle"/>
+          </a:ln>
+        </p:spPr>
+        <p:style>
+          <a:lnRef idx="2">
+            <a:schemeClr val="accent1"/>
+          </a:lnRef>
+          <a:fillRef idx="0">
+            <a:schemeClr val="accent1"/>
+          </a:fillRef>
+          <a:effectRef idx="1">
+            <a:schemeClr val="accent1"/>
+          </a:effectRef>
+          <a:fontRef idx="minor">
+            <a:schemeClr val="tx1"/>
+          </a:fontRef>
+        </p:style>
+      </p:cxnSp>
+      <p:sp>
+        <p:nvSpPr>
+          <p:cNvPr id="19" name="TextBox 18">
+            <a:extLst>
+              <a:ext uri="{FF2B5EF4-FFF2-40B4-BE49-F238E27FC236}">
+                <a16:creationId xmlns:a16="http://schemas.microsoft.com/office/drawing/2014/main" id="{8712064F-B916-60BA-24C9-52011340948D}"/>
+              </a:ext>
+            </a:extLst>
+          </p:cNvPr>
+          <p:cNvSpPr txBox="1"/>
+          <p:nvPr/>
+        </p:nvSpPr>
+        <p:spPr>
+          <a:xfrm>
+            <a:off x="4847208" y="3246953"/>
+            <a:ext cx="4136993" cy="307777"/>
+          </a:xfrm>
+          <a:prstGeom prst="rect">
+            <a:avLst/>
+          </a:prstGeom>
+          <a:noFill/>
+        </p:spPr>
+        <p:txBody>
+          <a:bodyPr wrap="square" rtlCol="0">
+            <a:spAutoFit/>
+          </a:bodyPr>
+          <a:lstStyle/>
+          <a:p>
+            <a:r>
+              <a:rPr lang="ko-KR" altLang="en-US" sz="1400" dirty="0"/>
+              <a:t>다른 팀원들도 각 월드의 스테이지 제작 중</a:t>
             </a:r>
           </a:p>
         </p:txBody>
@@ -4696,8 +6039,38 @@
         </p:blipFill>
         <p:spPr>
           <a:xfrm>
-            <a:off x="907140" y="2620677"/>
+            <a:off x="685199" y="2620675"/>
             <a:ext cx="5011015" cy="3895355"/>
+          </a:xfrm>
+          <a:prstGeom prst="rect">
+            <a:avLst/>
+          </a:prstGeom>
+        </p:spPr>
+      </p:pic>
+      <p:pic>
+        <p:nvPicPr>
+          <p:cNvPr id="3" name="그림 2">
+            <a:extLst>
+              <a:ext uri="{FF2B5EF4-FFF2-40B4-BE49-F238E27FC236}">
+                <a16:creationId xmlns:a16="http://schemas.microsoft.com/office/drawing/2014/main" id="{63B25F38-2F5B-5311-4592-6DD79BE137BD}"/>
+              </a:ext>
+            </a:extLst>
+          </p:cNvPr>
+          <p:cNvPicPr>
+            <a:picLocks noChangeAspect="1"/>
+          </p:cNvPicPr>
+          <p:nvPr/>
+        </p:nvPicPr>
+        <p:blipFill>
+          <a:blip r:embed="rId3"/>
+          <a:stretch>
+            <a:fillRect/>
+          </a:stretch>
+        </p:blipFill>
+        <p:spPr>
+          <a:xfrm>
+            <a:off x="6202826" y="2620675"/>
+            <a:ext cx="5442133" cy="3895355"/>
           </a:xfrm>
           <a:prstGeom prst="rect">
             <a:avLst/>
@@ -6378,7 +7751,7 @@
         <p:spPr>
           <a:xfrm>
             <a:off x="5648109" y="1053141"/>
-            <a:ext cx="5290231" cy="369332"/>
+            <a:ext cx="4649030" cy="369332"/>
           </a:xfrm>
           <a:prstGeom prst="rect">
             <a:avLst/>
@@ -6405,13 +7778,8 @@
             </a:r>
             <a:r>
               <a:rPr lang="ko-KR" altLang="en-US" dirty="0"/>
-              <a:t>개 존재합니다</a:t>
-            </a:r>
-            <a:r>
-              <a:rPr lang="en-US" altLang="ko-KR" dirty="0"/>
-              <a:t>.</a:t>
-            </a:r>
-            <a:endParaRPr lang="ko-KR" altLang="en-US" dirty="0"/>
+              <a:t>개 존재</a:t>
+            </a:r>
           </a:p>
         </p:txBody>
       </p:sp>
@@ -6533,7 +7901,7 @@
         </p:nvSpPr>
         <p:spPr>
           <a:xfrm>
-            <a:off x="339941" y="507323"/>
+            <a:off x="234889" y="249504"/>
             <a:ext cx="11512118" cy="1200329"/>
           </a:xfrm>
           <a:prstGeom prst="rect">
@@ -6605,7 +7973,7 @@
         </p:nvSpPr>
         <p:spPr>
           <a:xfrm>
-            <a:off x="4805780" y="3682013"/>
+            <a:off x="4432917" y="3229252"/>
             <a:ext cx="2370337" cy="1455938"/>
           </a:xfrm>
           <a:prstGeom prst="roundRect">
@@ -6661,7 +8029,7 @@
         </p:nvSpPr>
         <p:spPr>
           <a:xfrm>
-            <a:off x="2913356" y="2814219"/>
+            <a:off x="2540493" y="2361458"/>
             <a:ext cx="1100831" cy="798990"/>
           </a:xfrm>
           <a:prstGeom prst="rect">
@@ -6730,7 +8098,7 @@
         </p:nvSpPr>
         <p:spPr>
           <a:xfrm>
-            <a:off x="2913357" y="5331041"/>
+            <a:off x="2540494" y="4878280"/>
             <a:ext cx="1100831" cy="798990"/>
           </a:xfrm>
           <a:prstGeom prst="rect">
@@ -6799,7 +8167,7 @@
         </p:nvSpPr>
         <p:spPr>
           <a:xfrm>
-            <a:off x="7884853" y="2908913"/>
+            <a:off x="7511990" y="2456152"/>
             <a:ext cx="1100831" cy="798990"/>
           </a:xfrm>
           <a:prstGeom prst="rect">
@@ -6868,7 +8236,7 @@
         </p:nvSpPr>
         <p:spPr>
           <a:xfrm>
-            <a:off x="8009140" y="5331041"/>
+            <a:off x="7636277" y="4878280"/>
             <a:ext cx="1100831" cy="798990"/>
           </a:xfrm>
           <a:prstGeom prst="rect">
@@ -6940,7 +8308,7 @@
         </p:nvCxnSpPr>
         <p:spPr>
           <a:xfrm>
-            <a:off x="4014187" y="3213714"/>
+            <a:off x="3641324" y="2760953"/>
             <a:ext cx="983943" cy="488271"/>
           </a:xfrm>
           <a:prstGeom prst="line">
@@ -6979,7 +8347,7 @@
         </p:nvCxnSpPr>
         <p:spPr>
           <a:xfrm flipV="1">
-            <a:off x="3463773" y="4956697"/>
+            <a:off x="3090910" y="4503936"/>
             <a:ext cx="1374559" cy="374344"/>
           </a:xfrm>
           <a:prstGeom prst="line">
@@ -7015,7 +8383,7 @@
         </p:nvCxnSpPr>
         <p:spPr>
           <a:xfrm>
-            <a:off x="7054790" y="5113538"/>
+            <a:off x="6681927" y="4660777"/>
             <a:ext cx="983943" cy="488271"/>
           </a:xfrm>
           <a:prstGeom prst="line">
@@ -7054,7 +8422,7 @@
         </p:nvCxnSpPr>
         <p:spPr>
           <a:xfrm flipV="1">
-            <a:off x="7054790" y="3308408"/>
+            <a:off x="6681927" y="2855647"/>
             <a:ext cx="830063" cy="373605"/>
           </a:xfrm>
           <a:prstGeom prst="line">
@@ -7090,7 +8458,7 @@
         </p:nvSpPr>
         <p:spPr>
           <a:xfrm>
-            <a:off x="4838332" y="3803109"/>
+            <a:off x="4465469" y="3350348"/>
             <a:ext cx="798617" cy="261610"/>
           </a:xfrm>
           <a:prstGeom prst="rect">
@@ -7125,7 +8493,7 @@
         </p:nvSpPr>
         <p:spPr>
           <a:xfrm>
-            <a:off x="6332560" y="3757610"/>
+            <a:off x="5959697" y="3304849"/>
             <a:ext cx="798617" cy="261610"/>
           </a:xfrm>
           <a:prstGeom prst="rect">
@@ -7160,7 +8528,7 @@
         </p:nvSpPr>
         <p:spPr>
           <a:xfrm>
-            <a:off x="6332560" y="4814793"/>
+            <a:off x="5959697" y="4362032"/>
             <a:ext cx="798617" cy="261610"/>
           </a:xfrm>
           <a:prstGeom prst="rect">
@@ -7195,7 +8563,7 @@
         </p:nvSpPr>
         <p:spPr>
           <a:xfrm>
-            <a:off x="4825207" y="4788740"/>
+            <a:off x="4452344" y="4335979"/>
             <a:ext cx="798617" cy="261610"/>
           </a:xfrm>
           <a:prstGeom prst="rect">
@@ -7260,7 +8628,7 @@
         </p:nvSpPr>
         <p:spPr>
           <a:xfrm>
-            <a:off x="339941" y="507323"/>
+            <a:off x="204554" y="211783"/>
             <a:ext cx="11512118" cy="1200329"/>
           </a:xfrm>
           <a:prstGeom prst="rect">
@@ -7317,7 +8685,7 @@
         </p:nvSpPr>
         <p:spPr>
           <a:xfrm>
-            <a:off x="3281036" y="4193223"/>
+            <a:off x="2775009" y="2710652"/>
             <a:ext cx="2679577" cy="1737059"/>
           </a:xfrm>
           <a:prstGeom prst="rect">
@@ -7386,7 +8754,7 @@
         </p:nvSpPr>
         <p:spPr>
           <a:xfrm>
-            <a:off x="1498848" y="4752603"/>
+            <a:off x="992821" y="3270032"/>
             <a:ext cx="908479" cy="488271"/>
           </a:xfrm>
           <a:prstGeom prst="ellipse">
@@ -7447,7 +8815,7 @@
         </p:nvSpPr>
         <p:spPr>
           <a:xfrm>
-            <a:off x="1498848" y="3400888"/>
+            <a:off x="992821" y="1918317"/>
             <a:ext cx="908479" cy="488271"/>
           </a:xfrm>
           <a:prstGeom prst="ellipse">
@@ -7508,7 +8876,7 @@
         </p:nvSpPr>
         <p:spPr>
           <a:xfrm>
-            <a:off x="3559946" y="3156753"/>
+            <a:off x="3053919" y="1674182"/>
             <a:ext cx="908479" cy="488271"/>
           </a:xfrm>
           <a:prstGeom prst="ellipse">
@@ -7573,7 +8941,7 @@
         </p:nvCxnSpPr>
         <p:spPr>
           <a:xfrm>
-            <a:off x="2407327" y="4996739"/>
+            <a:off x="1901300" y="3514168"/>
             <a:ext cx="873709" cy="65014"/>
           </a:xfrm>
           <a:prstGeom prst="line">
@@ -7612,7 +8980,7 @@
         </p:nvCxnSpPr>
         <p:spPr>
           <a:xfrm>
-            <a:off x="1953088" y="3889159"/>
+            <a:off x="1447061" y="2406588"/>
             <a:ext cx="1515122" cy="302215"/>
           </a:xfrm>
           <a:prstGeom prst="line">
@@ -7652,7 +9020,7 @@
         </p:nvCxnSpPr>
         <p:spPr>
           <a:xfrm>
-            <a:off x="4014186" y="3645024"/>
+            <a:off x="3508159" y="2162453"/>
             <a:ext cx="606639" cy="548199"/>
           </a:xfrm>
           <a:prstGeom prst="line">
@@ -7688,7 +9056,7 @@
         </p:nvSpPr>
         <p:spPr>
           <a:xfrm>
-            <a:off x="4468425" y="4251943"/>
+            <a:off x="3962398" y="2769372"/>
             <a:ext cx="466794" cy="261610"/>
           </a:xfrm>
           <a:prstGeom prst="rect">
@@ -7723,7 +9091,7 @@
         </p:nvSpPr>
         <p:spPr>
           <a:xfrm>
-            <a:off x="3295104" y="4251943"/>
+            <a:off x="2789077" y="2769372"/>
             <a:ext cx="466794" cy="261610"/>
           </a:xfrm>
           <a:prstGeom prst="rect">
@@ -7758,7 +9126,7 @@
         </p:nvSpPr>
         <p:spPr>
           <a:xfrm>
-            <a:off x="3315806" y="4960307"/>
+            <a:off x="2809779" y="3477736"/>
             <a:ext cx="466794" cy="261610"/>
           </a:xfrm>
           <a:prstGeom prst="rect">
@@ -7793,7 +9161,7 @@
         </p:nvSpPr>
         <p:spPr>
           <a:xfrm>
-            <a:off x="5466421" y="5514052"/>
+            <a:off x="4960394" y="4031481"/>
             <a:ext cx="466794" cy="261610"/>
           </a:xfrm>
           <a:prstGeom prst="rect">
@@ -7828,7 +9196,7 @@
         </p:nvSpPr>
         <p:spPr>
           <a:xfrm>
-            <a:off x="8001742" y="4894739"/>
+            <a:off x="7495715" y="3412168"/>
             <a:ext cx="2370337" cy="1455938"/>
           </a:xfrm>
           <a:prstGeom prst="roundRect">
@@ -7886,7 +9254,7 @@
         </p:nvCxnSpPr>
         <p:spPr>
           <a:xfrm>
-            <a:off x="5995383" y="5646198"/>
+            <a:off x="5489356" y="4163627"/>
             <a:ext cx="2003398" cy="0"/>
           </a:xfrm>
           <a:prstGeom prst="line">
@@ -7908,6 +9276,68 @@
           </a:fontRef>
         </p:style>
       </p:cxnSp>
+      <p:sp>
+        <p:nvSpPr>
+          <p:cNvPr id="2" name="TextBox 1">
+            <a:extLst>
+              <a:ext uri="{FF2B5EF4-FFF2-40B4-BE49-F238E27FC236}">
+                <a16:creationId xmlns:a16="http://schemas.microsoft.com/office/drawing/2014/main" id="{30FA5EED-441B-CBAC-8688-D6B83461A56A}"/>
+              </a:ext>
+            </a:extLst>
+          </p:cNvPr>
+          <p:cNvSpPr txBox="1"/>
+          <p:nvPr/>
+        </p:nvSpPr>
+        <p:spPr>
+          <a:xfrm>
+            <a:off x="339941" y="5260667"/>
+            <a:ext cx="11512118" cy="923330"/>
+          </a:xfrm>
+          <a:prstGeom prst="rect">
+            <a:avLst/>
+          </a:prstGeom>
+          <a:noFill/>
+        </p:spPr>
+        <p:txBody>
+          <a:bodyPr wrap="square">
+            <a:spAutoFit/>
+          </a:bodyPr>
+          <a:lstStyle/>
+          <a:p>
+            <a:r>
+              <a:rPr lang="ko-KR" altLang="en-US" dirty="0"/>
+              <a:t>스테이지</a:t>
+            </a:r>
+            <a:endParaRPr lang="en-US" altLang="ko-KR" dirty="0"/>
+          </a:p>
+          <a:p>
+            <a:endParaRPr lang="en-US" altLang="ko-KR" dirty="0"/>
+          </a:p>
+          <a:p>
+            <a:r>
+              <a:rPr lang="ko-KR" altLang="en-US" dirty="0"/>
+              <a:t>각 스테이지마다 고유한 컨셉의 퍼즐이 존재</a:t>
+            </a:r>
+            <a:r>
+              <a:rPr lang="en-US" altLang="ko-KR" dirty="0"/>
+              <a:t>, </a:t>
+            </a:r>
+            <a:r>
+              <a:rPr lang="ko-KR" altLang="en-US" dirty="0"/>
+              <a:t>클리어 하면 다시 월드 </a:t>
+            </a:r>
+            <a:r>
+              <a:rPr lang="ko-KR" altLang="en-US" dirty="0" err="1"/>
+              <a:t>맵으로</a:t>
+            </a:r>
+            <a:r>
+              <a:rPr lang="ko-KR" altLang="en-US" dirty="0"/>
+              <a:t> 이동</a:t>
+            </a:r>
+            <a:endParaRPr lang="en-US" altLang="ko-KR" dirty="0"/>
+          </a:p>
+        </p:txBody>
+      </p:sp>
     </p:spTree>
     <p:extLst>
       <p:ext uri="{BB962C8B-B14F-4D97-AF65-F5344CB8AC3E}">
@@ -7943,7 +9373,7 @@
           <p:cNvPr id="4" name="TextBox 3">
             <a:extLst>
               <a:ext uri="{FF2B5EF4-FFF2-40B4-BE49-F238E27FC236}">
-                <a16:creationId xmlns:a16="http://schemas.microsoft.com/office/drawing/2014/main" id="{45A674CF-CF57-AD3E-F5F8-BC9F41489834}"/>
+                <a16:creationId xmlns:a16="http://schemas.microsoft.com/office/drawing/2014/main" id="{42075FE1-3D0B-00B4-E070-C385A5979F84}"/>
               </a:ext>
             </a:extLst>
           </p:cNvPr>
@@ -7952,8 +9382,8 @@
         </p:nvSpPr>
         <p:spPr>
           <a:xfrm>
-            <a:off x="5160794" y="1232637"/>
-            <a:ext cx="6517321" cy="1600438"/>
+            <a:off x="399495" y="284085"/>
+            <a:ext cx="8451542" cy="369332"/>
           </a:xfrm>
           <a:prstGeom prst="rect">
             <a:avLst/>
@@ -7967,512 +9397,78 @@
           <a:lstStyle/>
           <a:p>
             <a:r>
-              <a:rPr lang="ko-KR" altLang="en-US" sz="1400" dirty="0"/>
-              <a:t>각 스테이지당 하나의 퍼즐 존재</a:t>
-            </a:r>
-            <a:endParaRPr lang="en-US" altLang="ko-KR" sz="1400" dirty="0"/>
-          </a:p>
-          <a:p>
-            <a:endParaRPr lang="en-US" altLang="ko-KR" sz="1400" dirty="0"/>
-          </a:p>
-          <a:p>
-            <a:r>
-              <a:rPr lang="ko-KR" altLang="en-US" sz="1400" dirty="0"/>
-              <a:t>각 스테이지를 클리어하면</a:t>
-            </a:r>
-            <a:r>
-              <a:rPr lang="en-US" altLang="ko-KR" sz="1400" dirty="0"/>
-              <a:t>, </a:t>
-            </a:r>
-            <a:r>
-              <a:rPr lang="ko-KR" altLang="en-US" sz="1400" dirty="0"/>
-              <a:t>클리어의 표시로 </a:t>
-            </a:r>
-            <a:r>
-              <a:rPr lang="ko-KR" altLang="en-US" sz="1400" dirty="0" err="1"/>
-              <a:t>월드맵에</a:t>
-            </a:r>
-            <a:r>
-              <a:rPr lang="ko-KR" altLang="en-US" sz="1400" dirty="0"/>
-              <a:t> 변화가 생김</a:t>
-            </a:r>
-            <a:endParaRPr lang="en-US" altLang="ko-KR" sz="1400" dirty="0"/>
-          </a:p>
-          <a:p>
-            <a:r>
-              <a:rPr lang="en-US" altLang="ko-KR" sz="1400" dirty="0"/>
-              <a:t>(</a:t>
-            </a:r>
-            <a:r>
-              <a:rPr lang="ko-KR" altLang="en-US" sz="1400" dirty="0"/>
-              <a:t>오브젝트가 새로 </a:t>
-            </a:r>
-            <a:r>
-              <a:rPr lang="ko-KR" altLang="en-US" sz="1400" dirty="0" err="1"/>
-              <a:t>생긴다거나</a:t>
-            </a:r>
-            <a:r>
-              <a:rPr lang="en-US" altLang="ko-KR" sz="1400" dirty="0"/>
-              <a:t>, </a:t>
-            </a:r>
-            <a:r>
-              <a:rPr lang="ko-KR" altLang="en-US" sz="1400" dirty="0" err="1"/>
-              <a:t>맵의</a:t>
-            </a:r>
-            <a:r>
-              <a:rPr lang="ko-KR" altLang="en-US" sz="1400" dirty="0"/>
-              <a:t> </a:t>
-            </a:r>
-            <a:r>
-              <a:rPr lang="ko-KR" altLang="en-US" sz="1400" dirty="0" err="1"/>
-              <a:t>데코레이션이</a:t>
-            </a:r>
-            <a:r>
-              <a:rPr lang="ko-KR" altLang="en-US" sz="1400" dirty="0"/>
-              <a:t> 약간 </a:t>
-            </a:r>
-            <a:r>
-              <a:rPr lang="ko-KR" altLang="en-US" sz="1400" dirty="0" err="1"/>
-              <a:t>달라진다거나</a:t>
-            </a:r>
-            <a:r>
-              <a:rPr lang="en-US" altLang="ko-KR" sz="1400" dirty="0"/>
-              <a:t>)</a:t>
-            </a:r>
-          </a:p>
-          <a:p>
-            <a:endParaRPr lang="en-US" altLang="ko-KR" sz="1400" dirty="0"/>
-          </a:p>
-          <a:p>
-            <a:r>
-              <a:rPr lang="ko-KR" altLang="en-US" sz="1400" dirty="0"/>
-              <a:t>각 </a:t>
-            </a:r>
-            <a:r>
-              <a:rPr lang="en-US" altLang="ko-KR" sz="1400" dirty="0"/>
-              <a:t>“</a:t>
-            </a:r>
-            <a:r>
-              <a:rPr lang="ko-KR" altLang="en-US" sz="1400" dirty="0" err="1"/>
-              <a:t>월드맵</a:t>
-            </a:r>
-            <a:r>
-              <a:rPr lang="en-US" altLang="ko-KR" sz="1400" dirty="0"/>
-              <a:t>”</a:t>
-            </a:r>
-            <a:r>
-              <a:rPr lang="ko-KR" altLang="en-US" sz="1400" dirty="0"/>
-              <a:t>도 하나의 퍼즐이며</a:t>
-            </a:r>
-            <a:r>
-              <a:rPr lang="en-US" altLang="ko-KR" sz="1400" dirty="0"/>
-              <a:t>, </a:t>
-            </a:r>
-            <a:r>
-              <a:rPr lang="ko-KR" altLang="en-US" sz="1400" dirty="0"/>
-              <a:t>스테이지들을 클리어하면 그 변화들로 인해 </a:t>
-            </a:r>
-            <a:r>
-              <a:rPr lang="en-US" altLang="ko-KR" sz="1400" dirty="0"/>
-              <a:t>“</a:t>
-            </a:r>
-            <a:r>
-              <a:rPr lang="ko-KR" altLang="en-US" sz="1400" dirty="0" err="1"/>
-              <a:t>월드맵</a:t>
-            </a:r>
-            <a:r>
-              <a:rPr lang="en-US" altLang="ko-KR" sz="1400" dirty="0"/>
-              <a:t>” </a:t>
-            </a:r>
-            <a:r>
-              <a:rPr lang="ko-KR" altLang="en-US" sz="1400" dirty="0"/>
-              <a:t>자체를 클리어 할 수 있다</a:t>
-            </a:r>
-            <a:r>
-              <a:rPr lang="en-US" altLang="ko-KR" sz="1400" dirty="0"/>
-              <a:t>.</a:t>
-            </a:r>
-            <a:endParaRPr lang="ko-KR" altLang="en-US" sz="1400" dirty="0"/>
-          </a:p>
-        </p:txBody>
-      </p:sp>
-      <p:sp>
-        <p:nvSpPr>
-          <p:cNvPr id="5" name="직사각형 4">
-            <a:extLst>
-              <a:ext uri="{FF2B5EF4-FFF2-40B4-BE49-F238E27FC236}">
-                <a16:creationId xmlns:a16="http://schemas.microsoft.com/office/drawing/2014/main" id="{3DE9478A-0F49-34CC-4CB3-F8CCFF8FFA08}"/>
-              </a:ext>
-            </a:extLst>
-          </p:cNvPr>
-          <p:cNvSpPr/>
-          <p:nvPr/>
-        </p:nvSpPr>
-        <p:spPr>
-          <a:xfrm>
-            <a:off x="3800567" y="2743793"/>
-            <a:ext cx="1100831" cy="798990"/>
+              <a:rPr lang="ko-KR" altLang="en-US" dirty="0"/>
+              <a:t>제작한 스테이지 예시</a:t>
+            </a:r>
+          </a:p>
+        </p:txBody>
+      </p:sp>
+      <p:pic>
+        <p:nvPicPr>
+          <p:cNvPr id="8" name="그림 7">
+            <a:extLst>
+              <a:ext uri="{FF2B5EF4-FFF2-40B4-BE49-F238E27FC236}">
+                <a16:creationId xmlns:a16="http://schemas.microsoft.com/office/drawing/2014/main" id="{B6DFC089-E640-9773-C648-19FECF1CDD31}"/>
+              </a:ext>
+            </a:extLst>
+          </p:cNvPr>
+          <p:cNvPicPr>
+            <a:picLocks noChangeAspect="1"/>
+          </p:cNvPicPr>
+          <p:nvPr/>
+        </p:nvPicPr>
+        <p:blipFill>
+          <a:blip r:embed="rId2"/>
+          <a:stretch>
+            <a:fillRect/>
+          </a:stretch>
+        </p:blipFill>
+        <p:spPr>
+          <a:xfrm>
+            <a:off x="399495" y="1265338"/>
+            <a:ext cx="6326537" cy="4878010"/>
           </a:xfrm>
           <a:prstGeom prst="rect">
             <a:avLst/>
           </a:prstGeom>
-          <a:solidFill>
-            <a:schemeClr val="bg1"/>
-          </a:solidFill>
-        </p:spPr>
-        <p:style>
-          <a:lnRef idx="2">
-            <a:schemeClr val="accent1">
-              <a:shade val="15000"/>
-            </a:schemeClr>
-          </a:lnRef>
-          <a:fillRef idx="1">
-            <a:schemeClr val="accent1"/>
-          </a:fillRef>
-          <a:effectRef idx="0">
-            <a:schemeClr val="accent1"/>
-          </a:effectRef>
-          <a:fontRef idx="minor">
-            <a:schemeClr val="lt1"/>
-          </a:fontRef>
-        </p:style>
-        <p:txBody>
-          <a:bodyPr rtlCol="0" anchor="ctr"/>
-          <a:lstStyle/>
-          <a:p>
-            <a:pPr algn="ctr"/>
-            <a:r>
-              <a:rPr lang="ko-KR" altLang="en-US" dirty="0">
-                <a:solidFill>
-                  <a:schemeClr val="tx1"/>
-                </a:solidFill>
-              </a:rPr>
-              <a:t>월드 </a:t>
-            </a:r>
-            <a:r>
-              <a:rPr lang="en-US" altLang="ko-KR" dirty="0">
-                <a:solidFill>
-                  <a:schemeClr val="tx1"/>
-                </a:solidFill>
-              </a:rPr>
-              <a:t>1</a:t>
-            </a:r>
-            <a:endParaRPr lang="ko-KR" altLang="en-US" dirty="0">
-              <a:solidFill>
-                <a:schemeClr val="tx1"/>
-              </a:solidFill>
-            </a:endParaRPr>
-          </a:p>
-        </p:txBody>
-      </p:sp>
-      <p:sp>
-        <p:nvSpPr>
-          <p:cNvPr id="6" name="타원 5">
-            <a:extLst>
-              <a:ext uri="{FF2B5EF4-FFF2-40B4-BE49-F238E27FC236}">
-                <a16:creationId xmlns:a16="http://schemas.microsoft.com/office/drawing/2014/main" id="{32F4426E-FB92-50DA-8EBD-7626EC68E854}"/>
-              </a:ext>
-            </a:extLst>
-          </p:cNvPr>
-          <p:cNvSpPr/>
-          <p:nvPr/>
-        </p:nvSpPr>
-        <p:spPr>
-          <a:xfrm>
-            <a:off x="1791257" y="2970460"/>
-            <a:ext cx="908479" cy="488271"/>
-          </a:xfrm>
-          <a:prstGeom prst="ellipse">
-            <a:avLst/>
-          </a:prstGeom>
-          <a:solidFill>
-            <a:schemeClr val="bg1"/>
-          </a:solidFill>
-        </p:spPr>
-        <p:style>
-          <a:lnRef idx="2">
-            <a:schemeClr val="accent1">
-              <a:shade val="15000"/>
-            </a:schemeClr>
-          </a:lnRef>
-          <a:fillRef idx="1">
-            <a:schemeClr val="accent1"/>
-          </a:fillRef>
-          <a:effectRef idx="0">
-            <a:schemeClr val="accent1"/>
-          </a:effectRef>
-          <a:fontRef idx="minor">
-            <a:schemeClr val="lt1"/>
-          </a:fontRef>
-        </p:style>
-        <p:txBody>
-          <a:bodyPr rtlCol="0" anchor="ctr"/>
-          <a:lstStyle/>
-          <a:p>
-            <a:pPr algn="ctr"/>
-            <a:r>
-              <a:rPr lang="en-US" altLang="ko-KR" dirty="0">
-                <a:solidFill>
-                  <a:schemeClr val="tx1"/>
-                </a:solidFill>
-              </a:rPr>
-              <a:t>1-1</a:t>
-            </a:r>
-            <a:endParaRPr lang="ko-KR" altLang="en-US" dirty="0">
-              <a:solidFill>
-                <a:schemeClr val="tx1"/>
-              </a:solidFill>
-            </a:endParaRPr>
-          </a:p>
-        </p:txBody>
-      </p:sp>
-      <p:sp>
-        <p:nvSpPr>
-          <p:cNvPr id="7" name="타원 6">
-            <a:extLst>
-              <a:ext uri="{FF2B5EF4-FFF2-40B4-BE49-F238E27FC236}">
-                <a16:creationId xmlns:a16="http://schemas.microsoft.com/office/drawing/2014/main" id="{58637B51-5425-00F2-FF0B-FAD114B23F46}"/>
-              </a:ext>
-            </a:extLst>
-          </p:cNvPr>
-          <p:cNvSpPr/>
-          <p:nvPr/>
-        </p:nvSpPr>
-        <p:spPr>
-          <a:xfrm>
-            <a:off x="2228209" y="1714020"/>
-            <a:ext cx="908479" cy="488271"/>
-          </a:xfrm>
-          <a:prstGeom prst="ellipse">
-            <a:avLst/>
-          </a:prstGeom>
-          <a:solidFill>
-            <a:schemeClr val="bg1"/>
-          </a:solidFill>
-        </p:spPr>
-        <p:style>
-          <a:lnRef idx="2">
-            <a:schemeClr val="accent1">
-              <a:shade val="15000"/>
-            </a:schemeClr>
-          </a:lnRef>
-          <a:fillRef idx="1">
-            <a:schemeClr val="accent1"/>
-          </a:fillRef>
-          <a:effectRef idx="0">
-            <a:schemeClr val="accent1"/>
-          </a:effectRef>
-          <a:fontRef idx="minor">
-            <a:schemeClr val="lt1"/>
-          </a:fontRef>
-        </p:style>
-        <p:txBody>
-          <a:bodyPr rtlCol="0" anchor="ctr"/>
-          <a:lstStyle/>
-          <a:p>
-            <a:pPr algn="ctr"/>
-            <a:r>
-              <a:rPr lang="en-US" altLang="ko-KR" dirty="0">
-                <a:solidFill>
-                  <a:schemeClr val="tx1"/>
-                </a:solidFill>
-              </a:rPr>
-              <a:t>1-2</a:t>
-            </a:r>
-            <a:endParaRPr lang="ko-KR" altLang="en-US" dirty="0">
-              <a:solidFill>
-                <a:schemeClr val="tx1"/>
-              </a:solidFill>
-            </a:endParaRPr>
-          </a:p>
-        </p:txBody>
-      </p:sp>
-      <p:sp>
-        <p:nvSpPr>
-          <p:cNvPr id="8" name="타원 7">
-            <a:extLst>
-              <a:ext uri="{FF2B5EF4-FFF2-40B4-BE49-F238E27FC236}">
-                <a16:creationId xmlns:a16="http://schemas.microsoft.com/office/drawing/2014/main" id="{4E435053-233D-332E-8339-6DE897C68001}"/>
-              </a:ext>
-            </a:extLst>
-          </p:cNvPr>
-          <p:cNvSpPr/>
-          <p:nvPr/>
-        </p:nvSpPr>
-        <p:spPr>
-          <a:xfrm>
-            <a:off x="3605723" y="1544585"/>
-            <a:ext cx="908479" cy="488271"/>
-          </a:xfrm>
-          <a:prstGeom prst="ellipse">
-            <a:avLst/>
-          </a:prstGeom>
-          <a:solidFill>
-            <a:schemeClr val="bg1"/>
-          </a:solidFill>
-        </p:spPr>
-        <p:style>
-          <a:lnRef idx="2">
-            <a:schemeClr val="accent1">
-              <a:shade val="15000"/>
-            </a:schemeClr>
-          </a:lnRef>
-          <a:fillRef idx="1">
-            <a:schemeClr val="accent1"/>
-          </a:fillRef>
-          <a:effectRef idx="0">
-            <a:schemeClr val="accent1"/>
-          </a:effectRef>
-          <a:fontRef idx="minor">
-            <a:schemeClr val="lt1"/>
-          </a:fontRef>
-        </p:style>
-        <p:txBody>
-          <a:bodyPr rtlCol="0" anchor="ctr"/>
-          <a:lstStyle/>
-          <a:p>
-            <a:pPr algn="ctr"/>
-            <a:r>
-              <a:rPr lang="en-US" altLang="ko-KR" dirty="0">
-                <a:solidFill>
-                  <a:schemeClr val="tx1"/>
-                </a:solidFill>
-              </a:rPr>
-              <a:t>1-3</a:t>
-            </a:r>
-            <a:endParaRPr lang="ko-KR" altLang="en-US" dirty="0">
-              <a:solidFill>
-                <a:schemeClr val="tx1"/>
-              </a:solidFill>
-            </a:endParaRPr>
-          </a:p>
-        </p:txBody>
-      </p:sp>
-      <p:cxnSp>
-        <p:nvCxnSpPr>
-          <p:cNvPr id="9" name="직선 연결선 8">
-            <a:extLst>
-              <a:ext uri="{FF2B5EF4-FFF2-40B4-BE49-F238E27FC236}">
-                <a16:creationId xmlns:a16="http://schemas.microsoft.com/office/drawing/2014/main" id="{E797848E-DBB3-8B51-11AF-961798455AF2}"/>
-              </a:ext>
-            </a:extLst>
-          </p:cNvPr>
-          <p:cNvCxnSpPr>
-            <a:stCxn id="6" idx="6"/>
-            <a:endCxn id="5" idx="1"/>
-          </p:cNvCxnSpPr>
-          <p:nvPr/>
-        </p:nvCxnSpPr>
-        <p:spPr>
-          <a:xfrm flipV="1">
-            <a:off x="2699736" y="3143288"/>
-            <a:ext cx="1100831" cy="71308"/>
-          </a:xfrm>
-          <a:prstGeom prst="line">
-            <a:avLst/>
-          </a:prstGeom>
-        </p:spPr>
-        <p:style>
-          <a:lnRef idx="1">
-            <a:schemeClr val="accent1"/>
-          </a:lnRef>
-          <a:fillRef idx="0">
-            <a:schemeClr val="accent1"/>
-          </a:fillRef>
-          <a:effectRef idx="0">
-            <a:schemeClr val="accent1"/>
-          </a:effectRef>
-          <a:fontRef idx="minor">
-            <a:schemeClr val="tx1"/>
-          </a:fontRef>
-        </p:style>
-      </p:cxnSp>
-      <p:cxnSp>
-        <p:nvCxnSpPr>
-          <p:cNvPr id="10" name="직선 연결선 9">
-            <a:extLst>
-              <a:ext uri="{FF2B5EF4-FFF2-40B4-BE49-F238E27FC236}">
-                <a16:creationId xmlns:a16="http://schemas.microsoft.com/office/drawing/2014/main" id="{B7AA30CB-C280-3C35-B259-10AD8755FF8B}"/>
-              </a:ext>
-            </a:extLst>
-          </p:cNvPr>
-          <p:cNvCxnSpPr>
-            <a:cxnSpLocks/>
-            <a:stCxn id="7" idx="4"/>
-            <a:endCxn id="5" idx="1"/>
-          </p:cNvCxnSpPr>
-          <p:nvPr/>
-        </p:nvCxnSpPr>
-        <p:spPr>
-          <a:xfrm>
-            <a:off x="2682449" y="2202291"/>
-            <a:ext cx="1118118" cy="940997"/>
-          </a:xfrm>
-          <a:prstGeom prst="line">
-            <a:avLst/>
-          </a:prstGeom>
-        </p:spPr>
-        <p:style>
-          <a:lnRef idx="1">
-            <a:schemeClr val="accent1"/>
-          </a:lnRef>
-          <a:fillRef idx="0">
-            <a:schemeClr val="accent1"/>
-          </a:fillRef>
-          <a:effectRef idx="0">
-            <a:schemeClr val="accent1"/>
-          </a:effectRef>
-          <a:fontRef idx="minor">
-            <a:schemeClr val="tx1"/>
-          </a:fontRef>
-        </p:style>
-      </p:cxnSp>
-      <p:cxnSp>
-        <p:nvCxnSpPr>
-          <p:cNvPr id="11" name="직선 연결선 10">
-            <a:extLst>
-              <a:ext uri="{FF2B5EF4-FFF2-40B4-BE49-F238E27FC236}">
-                <a16:creationId xmlns:a16="http://schemas.microsoft.com/office/drawing/2014/main" id="{A32BABEB-78F0-DAC5-479A-451C68E6A99A}"/>
-              </a:ext>
-            </a:extLst>
-          </p:cNvPr>
-          <p:cNvCxnSpPr>
-            <a:cxnSpLocks/>
-            <a:stCxn id="8" idx="4"/>
-            <a:endCxn id="5" idx="0"/>
-          </p:cNvCxnSpPr>
-          <p:nvPr/>
-        </p:nvCxnSpPr>
-        <p:spPr>
-          <a:xfrm>
-            <a:off x="4059963" y="2032856"/>
-            <a:ext cx="291020" cy="710937"/>
-          </a:xfrm>
-          <a:prstGeom prst="line">
-            <a:avLst/>
-          </a:prstGeom>
-        </p:spPr>
-        <p:style>
-          <a:lnRef idx="1">
-            <a:schemeClr val="accent1"/>
-          </a:lnRef>
-          <a:fillRef idx="0">
-            <a:schemeClr val="accent1"/>
-          </a:fillRef>
-          <a:effectRef idx="0">
-            <a:schemeClr val="accent1"/>
-          </a:effectRef>
-          <a:fontRef idx="minor">
-            <a:schemeClr val="tx1"/>
-          </a:fontRef>
-        </p:style>
-      </p:cxnSp>
-      <p:sp>
-        <p:nvSpPr>
-          <p:cNvPr id="22" name="TextBox 21">
-            <a:extLst>
-              <a:ext uri="{FF2B5EF4-FFF2-40B4-BE49-F238E27FC236}">
-                <a16:creationId xmlns:a16="http://schemas.microsoft.com/office/drawing/2014/main" id="{052EFE2F-B079-5A8F-ED48-3403B941C907}"/>
+        </p:spPr>
+      </p:pic>
+      <p:pic>
+        <p:nvPicPr>
+          <p:cNvPr id="10" name="그림 9">
+            <a:extLst>
+              <a:ext uri="{FF2B5EF4-FFF2-40B4-BE49-F238E27FC236}">
+                <a16:creationId xmlns:a16="http://schemas.microsoft.com/office/drawing/2014/main" id="{C87060DF-1E61-1A47-49F8-7C429316EF4E}"/>
+              </a:ext>
+            </a:extLst>
+          </p:cNvPr>
+          <p:cNvPicPr>
+            <a:picLocks noChangeAspect="1"/>
+          </p:cNvPicPr>
+          <p:nvPr/>
+        </p:nvPicPr>
+        <p:blipFill>
+          <a:blip r:embed="rId3"/>
+          <a:stretch>
+            <a:fillRect/>
+          </a:stretch>
+        </p:blipFill>
+        <p:spPr>
+          <a:xfrm>
+            <a:off x="7853177" y="4028989"/>
+            <a:ext cx="2888804" cy="2114359"/>
+          </a:xfrm>
+          <a:prstGeom prst="rect">
+            <a:avLst/>
+          </a:prstGeom>
+        </p:spPr>
+      </p:pic>
+      <p:sp>
+        <p:nvSpPr>
+          <p:cNvPr id="11" name="TextBox 10">
+            <a:extLst>
+              <a:ext uri="{FF2B5EF4-FFF2-40B4-BE49-F238E27FC236}">
+                <a16:creationId xmlns:a16="http://schemas.microsoft.com/office/drawing/2014/main" id="{6B682972-5049-F44C-DB45-A3CA2C6E1616}"/>
               </a:ext>
             </a:extLst>
           </p:cNvPr>
@@ -8481,8 +9477,8 @@
         </p:nvSpPr>
         <p:spPr>
           <a:xfrm>
-            <a:off x="742209" y="3602252"/>
-            <a:ext cx="9831096" cy="2308324"/>
+            <a:off x="7282253" y="1265338"/>
+            <a:ext cx="4300224" cy="1815882"/>
           </a:xfrm>
           <a:prstGeom prst="rect">
             <a:avLst/>
@@ -8495,227 +9491,99 @@
           </a:bodyPr>
           <a:lstStyle/>
           <a:p>
-            <a:r>
-              <a:rPr lang="ko-KR" altLang="en-US" dirty="0"/>
-              <a:t>스테이지의 클리어가       </a:t>
-            </a:r>
-            <a:r>
-              <a:rPr lang="ko-KR" altLang="en-US" dirty="0" err="1"/>
-              <a:t>월드맵에</a:t>
-            </a:r>
-            <a:r>
-              <a:rPr lang="ko-KR" altLang="en-US" dirty="0"/>
-              <a:t> 변화를 </a:t>
-            </a:r>
-            <a:r>
-              <a:rPr lang="ko-KR" altLang="en-US" dirty="0" err="1"/>
-              <a:t>만듬</a:t>
-            </a:r>
-            <a:endParaRPr lang="en-US" altLang="ko-KR" dirty="0"/>
-          </a:p>
-          <a:p>
-            <a:endParaRPr lang="en-US" altLang="ko-KR" dirty="0"/>
-          </a:p>
-          <a:p>
-            <a:endParaRPr lang="en-US" altLang="ko-KR" dirty="0"/>
-          </a:p>
-          <a:p>
-            <a:r>
-              <a:rPr lang="en-US" altLang="ko-KR" dirty="0"/>
-              <a:t>	  		</a:t>
-            </a:r>
-            <a:r>
-              <a:rPr lang="ko-KR" altLang="en-US" dirty="0"/>
-              <a:t>모든 서브 스테이지 클리어하면</a:t>
-            </a:r>
-            <a:endParaRPr lang="en-US" altLang="ko-KR" dirty="0"/>
-          </a:p>
-          <a:p>
-            <a:endParaRPr lang="en-US" altLang="ko-KR" dirty="0"/>
-          </a:p>
-          <a:p>
-            <a:endParaRPr lang="en-US" altLang="ko-KR" dirty="0"/>
-          </a:p>
-          <a:p>
-            <a:endParaRPr lang="en-US" altLang="ko-KR" dirty="0"/>
-          </a:p>
-          <a:p>
-            <a:r>
-              <a:rPr lang="en-US" altLang="ko-KR" dirty="0"/>
-              <a:t>              		</a:t>
-            </a:r>
-            <a:r>
-              <a:rPr lang="ko-KR" altLang="en-US" dirty="0"/>
-              <a:t>그 변화들로 인해서 </a:t>
-            </a:r>
-            <a:r>
-              <a:rPr lang="ko-KR" altLang="en-US" dirty="0" err="1"/>
-              <a:t>월드맵</a:t>
-            </a:r>
-            <a:r>
-              <a:rPr lang="ko-KR" altLang="en-US" dirty="0"/>
-              <a:t> 자체를 클리어 할 수 있음</a:t>
-            </a:r>
-          </a:p>
-        </p:txBody>
-      </p:sp>
-      <p:cxnSp>
-        <p:nvCxnSpPr>
-          <p:cNvPr id="25" name="직선 화살표 연결선 24">
-            <a:extLst>
-              <a:ext uri="{FF2B5EF4-FFF2-40B4-BE49-F238E27FC236}">
-                <a16:creationId xmlns:a16="http://schemas.microsoft.com/office/drawing/2014/main" id="{4763E329-9AE2-6F0F-D687-389515EB3647}"/>
-              </a:ext>
-            </a:extLst>
-          </p:cNvPr>
-          <p:cNvCxnSpPr/>
-          <p:nvPr/>
-        </p:nvCxnSpPr>
-        <p:spPr>
-          <a:xfrm>
-            <a:off x="3019888" y="3813551"/>
-            <a:ext cx="334114" cy="0"/>
-          </a:xfrm>
-          <a:prstGeom prst="straightConnector1">
-            <a:avLst/>
-          </a:prstGeom>
-          <a:ln>
-            <a:tailEnd type="triangle"/>
-          </a:ln>
-        </p:spPr>
-        <p:style>
-          <a:lnRef idx="2">
-            <a:schemeClr val="accent1"/>
-          </a:lnRef>
-          <a:fillRef idx="0">
-            <a:schemeClr val="accent1"/>
-          </a:fillRef>
-          <a:effectRef idx="1">
-            <a:schemeClr val="accent1"/>
-          </a:effectRef>
-          <a:fontRef idx="minor">
-            <a:schemeClr val="tx1"/>
-          </a:fontRef>
-        </p:style>
-      </p:cxnSp>
-      <p:cxnSp>
-        <p:nvCxnSpPr>
-          <p:cNvPr id="27" name="직선 화살표 연결선 26">
-            <a:extLst>
-              <a:ext uri="{FF2B5EF4-FFF2-40B4-BE49-F238E27FC236}">
-                <a16:creationId xmlns:a16="http://schemas.microsoft.com/office/drawing/2014/main" id="{B5762A2A-C91A-8F18-6381-44A60D2D2BCE}"/>
-              </a:ext>
-            </a:extLst>
-          </p:cNvPr>
-          <p:cNvCxnSpPr/>
-          <p:nvPr/>
-        </p:nvCxnSpPr>
-        <p:spPr>
-          <a:xfrm>
-            <a:off x="4184804" y="4048217"/>
-            <a:ext cx="0" cy="292963"/>
-          </a:xfrm>
-          <a:prstGeom prst="straightConnector1">
-            <a:avLst/>
-          </a:prstGeom>
-          <a:ln>
-            <a:tailEnd type="triangle"/>
-          </a:ln>
-        </p:spPr>
-        <p:style>
-          <a:lnRef idx="2">
-            <a:schemeClr val="accent1"/>
-          </a:lnRef>
-          <a:fillRef idx="0">
-            <a:schemeClr val="accent1"/>
-          </a:fillRef>
-          <a:effectRef idx="1">
-            <a:schemeClr val="accent1"/>
-          </a:effectRef>
-          <a:fontRef idx="minor">
-            <a:schemeClr val="tx1"/>
-          </a:fontRef>
-        </p:style>
-      </p:cxnSp>
-      <p:cxnSp>
-        <p:nvCxnSpPr>
-          <p:cNvPr id="29" name="직선 화살표 연결선 28">
-            <a:extLst>
-              <a:ext uri="{FF2B5EF4-FFF2-40B4-BE49-F238E27FC236}">
-                <a16:creationId xmlns:a16="http://schemas.microsoft.com/office/drawing/2014/main" id="{8143BC22-7040-DAAE-B962-A64FB2B63BBF}"/>
-              </a:ext>
-            </a:extLst>
-          </p:cNvPr>
-          <p:cNvCxnSpPr/>
-          <p:nvPr/>
-        </p:nvCxnSpPr>
-        <p:spPr>
-          <a:xfrm>
-            <a:off x="5019305" y="4891596"/>
-            <a:ext cx="0" cy="470516"/>
-          </a:xfrm>
-          <a:prstGeom prst="straightConnector1">
-            <a:avLst/>
-          </a:prstGeom>
-          <a:ln>
-            <a:tailEnd type="triangle"/>
-          </a:ln>
-        </p:spPr>
-        <p:style>
-          <a:lnRef idx="2">
-            <a:schemeClr val="accent1"/>
-          </a:lnRef>
-          <a:fillRef idx="0">
-            <a:schemeClr val="accent1"/>
-          </a:fillRef>
-          <a:effectRef idx="1">
-            <a:schemeClr val="accent1"/>
-          </a:effectRef>
-          <a:fontRef idx="minor">
-            <a:schemeClr val="tx1"/>
-          </a:fontRef>
-        </p:style>
-      </p:cxnSp>
-      <p:sp>
-        <p:nvSpPr>
-          <p:cNvPr id="30" name="TextBox 29">
-            <a:extLst>
-              <a:ext uri="{FF2B5EF4-FFF2-40B4-BE49-F238E27FC236}">
-                <a16:creationId xmlns:a16="http://schemas.microsoft.com/office/drawing/2014/main" id="{C42FDFB1-D4F8-81E0-398E-E65509AF26BE}"/>
-              </a:ext>
-            </a:extLst>
-          </p:cNvPr>
-          <p:cNvSpPr txBox="1"/>
-          <p:nvPr/>
-        </p:nvSpPr>
-        <p:spPr>
-          <a:xfrm>
-            <a:off x="339941" y="507323"/>
-            <a:ext cx="11512118" cy="369332"/>
-          </a:xfrm>
-          <a:prstGeom prst="rect">
-            <a:avLst/>
-          </a:prstGeom>
-          <a:noFill/>
-        </p:spPr>
-        <p:txBody>
-          <a:bodyPr wrap="square">
-            <a:spAutoFit/>
-          </a:bodyPr>
-          <a:lstStyle/>
-          <a:p>
-            <a:r>
-              <a:rPr lang="ko-KR" altLang="en-US" dirty="0"/>
-              <a:t>서브 스테이지와 월드의 클리어</a:t>
-            </a:r>
-            <a:endParaRPr lang="en-US" altLang="ko-KR" dirty="0"/>
+            <a:pPr algn="l" fontAlgn="base"/>
+            <a:r>
+              <a:rPr lang="ko-KR" altLang="en-US" sz="1400" b="0" i="0" dirty="0">
+                <a:effectLst/>
+                <a:latin typeface="gg sans"/>
+              </a:rPr>
+              <a:t>포켓몬의 얼음 샛길</a:t>
+            </a:r>
+            <a:endParaRPr lang="en-US" altLang="ko-KR" sz="1400" b="0" i="0" dirty="0">
+              <a:effectLst/>
+              <a:latin typeface="gg sans"/>
+            </a:endParaRPr>
+          </a:p>
+          <a:p>
+            <a:pPr algn="l" fontAlgn="base"/>
+            <a:endParaRPr lang="en-US" altLang="ko-KR" sz="1400" dirty="0">
+              <a:latin typeface="gg sans"/>
+            </a:endParaRPr>
+          </a:p>
+          <a:p>
+            <a:pPr algn="l" fontAlgn="base"/>
+            <a:r>
+              <a:rPr lang="en-US" altLang="ko-KR" sz="1400" b="0" i="0" dirty="0">
+                <a:effectLst/>
+                <a:latin typeface="gg sans"/>
+              </a:rPr>
+              <a:t>- </a:t>
+            </a:r>
+            <a:r>
+              <a:rPr lang="ko-KR" altLang="en-US" sz="1400" b="0" i="0" dirty="0">
+                <a:effectLst/>
+                <a:latin typeface="gg sans"/>
+              </a:rPr>
+              <a:t>한번 움직이면 돌을 만날 때까지 그 방향으로 쭉 미끄러짐</a:t>
+            </a:r>
+            <a:endParaRPr lang="en-US" altLang="ko-KR" sz="1400" b="0" i="0" dirty="0">
+              <a:effectLst/>
+              <a:latin typeface="gg sans"/>
+            </a:endParaRPr>
+          </a:p>
+          <a:p>
+            <a:pPr algn="l" fontAlgn="base"/>
+            <a:endParaRPr lang="en-US" altLang="ko-KR" sz="1400" dirty="0">
+              <a:latin typeface="gg sans"/>
+            </a:endParaRPr>
+          </a:p>
+          <a:p>
+            <a:pPr algn="l" fontAlgn="base"/>
+            <a:r>
+              <a:rPr lang="en-US" altLang="ko-KR" sz="1400" b="0" i="0" dirty="0">
+                <a:effectLst/>
+                <a:latin typeface="gg sans"/>
+              </a:rPr>
+              <a:t>- </a:t>
+            </a:r>
+            <a:r>
+              <a:rPr lang="ko-KR" altLang="en-US" sz="1400" b="0" i="0" dirty="0">
+                <a:effectLst/>
+                <a:latin typeface="gg sans"/>
+              </a:rPr>
+              <a:t>구멍을 만나면 이전으로 되돌아감</a:t>
+            </a:r>
+            <a:endParaRPr lang="en-US" altLang="ko-KR" sz="1400" b="0" i="0" dirty="0">
+              <a:effectLst/>
+              <a:latin typeface="gg sans"/>
+            </a:endParaRPr>
+          </a:p>
+          <a:p>
+            <a:pPr algn="l" fontAlgn="base"/>
+            <a:endParaRPr lang="en-US" altLang="ko-KR" sz="1400" dirty="0">
+              <a:latin typeface="gg sans"/>
+            </a:endParaRPr>
+          </a:p>
+          <a:p>
+            <a:pPr algn="l" fontAlgn="base"/>
+            <a:r>
+              <a:rPr lang="ko-KR" altLang="en-US" sz="1400" b="0" i="0" dirty="0">
+                <a:effectLst/>
+                <a:latin typeface="gg sans"/>
+              </a:rPr>
+              <a:t>길을 찾아서 목표 지점에 가면 클리어</a:t>
+            </a:r>
+            <a:endParaRPr lang="en-US" altLang="ko-KR" sz="1400" b="0" i="0" dirty="0">
+              <a:effectLst/>
+              <a:latin typeface="gg sans"/>
+            </a:endParaRPr>
           </a:p>
         </p:txBody>
       </p:sp>
     </p:spTree>
     <p:extLst>
       <p:ext uri="{BB962C8B-B14F-4D97-AF65-F5344CB8AC3E}">
-        <p14:creationId xmlns:p14="http://schemas.microsoft.com/office/powerpoint/2010/main" val="3648324799"/>
+        <p14:creationId xmlns:p14="http://schemas.microsoft.com/office/powerpoint/2010/main" val="2898644314"/>
       </p:ext>
     </p:extLst>
   </p:cSld>
@@ -8744,311 +9612,10 @@
       </p:grpSpPr>
       <p:sp>
         <p:nvSpPr>
-          <p:cNvPr id="4" name="사각형: 둥근 모서리 3">
-            <a:extLst>
-              <a:ext uri="{FF2B5EF4-FFF2-40B4-BE49-F238E27FC236}">
-                <a16:creationId xmlns:a16="http://schemas.microsoft.com/office/drawing/2014/main" id="{C5CE606C-FE3D-7709-61E7-FB0A10E7D3D7}"/>
-              </a:ext>
-            </a:extLst>
-          </p:cNvPr>
-          <p:cNvSpPr/>
-          <p:nvPr/>
-        </p:nvSpPr>
-        <p:spPr>
-          <a:xfrm>
-            <a:off x="2487317" y="2565834"/>
-            <a:ext cx="1717086" cy="862190"/>
-          </a:xfrm>
-          <a:prstGeom prst="roundRect">
-            <a:avLst/>
-          </a:prstGeom>
-          <a:solidFill>
-            <a:schemeClr val="bg1"/>
-          </a:solidFill>
-        </p:spPr>
-        <p:style>
-          <a:lnRef idx="2">
-            <a:schemeClr val="accent1">
-              <a:shade val="15000"/>
-            </a:schemeClr>
-          </a:lnRef>
-          <a:fillRef idx="1">
-            <a:schemeClr val="accent1"/>
-          </a:fillRef>
-          <a:effectRef idx="0">
-            <a:schemeClr val="accent1"/>
-          </a:effectRef>
-          <a:fontRef idx="minor">
-            <a:schemeClr val="lt1"/>
-          </a:fontRef>
-        </p:style>
-        <p:txBody>
-          <a:bodyPr rtlCol="0" anchor="ctr"/>
-          <a:lstStyle/>
-          <a:p>
-            <a:pPr algn="ctr"/>
-            <a:r>
-              <a:rPr lang="ko-KR" altLang="en-US" dirty="0">
-                <a:solidFill>
-                  <a:schemeClr val="tx1"/>
-                </a:solidFill>
-              </a:rPr>
-              <a:t>메인 허브</a:t>
-            </a:r>
-          </a:p>
-        </p:txBody>
-      </p:sp>
-      <p:sp>
-        <p:nvSpPr>
-          <p:cNvPr id="5" name="직사각형 4">
-            <a:extLst>
-              <a:ext uri="{FF2B5EF4-FFF2-40B4-BE49-F238E27FC236}">
-                <a16:creationId xmlns:a16="http://schemas.microsoft.com/office/drawing/2014/main" id="{37329177-36E6-0226-8561-080E38900EAB}"/>
-              </a:ext>
-            </a:extLst>
-          </p:cNvPr>
-          <p:cNvSpPr/>
-          <p:nvPr/>
-        </p:nvSpPr>
-        <p:spPr>
-          <a:xfrm>
-            <a:off x="486789" y="2702940"/>
-            <a:ext cx="1100831" cy="798990"/>
-          </a:xfrm>
-          <a:prstGeom prst="rect">
-            <a:avLst/>
-          </a:prstGeom>
-          <a:solidFill>
-            <a:schemeClr val="bg1"/>
-          </a:solidFill>
-        </p:spPr>
-        <p:style>
-          <a:lnRef idx="2">
-            <a:schemeClr val="accent1">
-              <a:shade val="15000"/>
-            </a:schemeClr>
-          </a:lnRef>
-          <a:fillRef idx="1">
-            <a:schemeClr val="accent1"/>
-          </a:fillRef>
-          <a:effectRef idx="0">
-            <a:schemeClr val="accent1"/>
-          </a:effectRef>
-          <a:fontRef idx="minor">
-            <a:schemeClr val="lt1"/>
-          </a:fontRef>
-        </p:style>
-        <p:txBody>
-          <a:bodyPr rtlCol="0" anchor="ctr"/>
-          <a:lstStyle/>
-          <a:p>
-            <a:pPr algn="ctr"/>
-            <a:r>
-              <a:rPr lang="ko-KR" altLang="en-US" dirty="0">
-                <a:solidFill>
-                  <a:schemeClr val="tx1"/>
-                </a:solidFill>
-              </a:rPr>
-              <a:t>월드 </a:t>
-            </a:r>
-            <a:r>
-              <a:rPr lang="en-US" altLang="ko-KR" dirty="0">
-                <a:solidFill>
-                  <a:schemeClr val="tx1"/>
-                </a:solidFill>
-              </a:rPr>
-              <a:t>1</a:t>
-            </a:r>
-          </a:p>
-          <a:p>
-            <a:pPr algn="ctr"/>
-            <a:r>
-              <a:rPr lang="en-US" altLang="ko-KR" dirty="0">
-                <a:solidFill>
-                  <a:schemeClr val="tx1"/>
-                </a:solidFill>
-              </a:rPr>
-              <a:t>(</a:t>
-            </a:r>
-            <a:r>
-              <a:rPr lang="ko-KR" altLang="en-US" dirty="0">
-                <a:solidFill>
-                  <a:schemeClr val="tx1"/>
-                </a:solidFill>
-              </a:rPr>
-              <a:t>클리어</a:t>
-            </a:r>
-            <a:r>
-              <a:rPr lang="en-US" altLang="ko-KR" dirty="0">
-                <a:solidFill>
-                  <a:schemeClr val="tx1"/>
-                </a:solidFill>
-              </a:rPr>
-              <a:t>)</a:t>
-            </a:r>
-            <a:endParaRPr lang="ko-KR" altLang="en-US" dirty="0">
-              <a:solidFill>
-                <a:schemeClr val="tx1"/>
-              </a:solidFill>
-            </a:endParaRPr>
-          </a:p>
-        </p:txBody>
-      </p:sp>
-      <p:sp>
-        <p:nvSpPr>
-          <p:cNvPr id="6" name="직사각형 5">
-            <a:extLst>
-              <a:ext uri="{FF2B5EF4-FFF2-40B4-BE49-F238E27FC236}">
-                <a16:creationId xmlns:a16="http://schemas.microsoft.com/office/drawing/2014/main" id="{D3D43513-3759-2ED8-FB3A-BC0557249880}"/>
-              </a:ext>
-            </a:extLst>
-          </p:cNvPr>
-          <p:cNvSpPr/>
-          <p:nvPr/>
-        </p:nvSpPr>
-        <p:spPr>
-          <a:xfrm>
-            <a:off x="1178318" y="1357337"/>
-            <a:ext cx="1100831" cy="798990"/>
-          </a:xfrm>
-          <a:prstGeom prst="rect">
-            <a:avLst/>
-          </a:prstGeom>
-          <a:solidFill>
-            <a:schemeClr val="bg1"/>
-          </a:solidFill>
-        </p:spPr>
-        <p:style>
-          <a:lnRef idx="2">
-            <a:schemeClr val="accent1">
-              <a:shade val="15000"/>
-            </a:schemeClr>
-          </a:lnRef>
-          <a:fillRef idx="1">
-            <a:schemeClr val="accent1"/>
-          </a:fillRef>
-          <a:effectRef idx="0">
-            <a:schemeClr val="accent1"/>
-          </a:effectRef>
-          <a:fontRef idx="minor">
-            <a:schemeClr val="lt1"/>
-          </a:fontRef>
-        </p:style>
-        <p:txBody>
-          <a:bodyPr rtlCol="0" anchor="ctr"/>
-          <a:lstStyle/>
-          <a:p>
-            <a:pPr algn="ctr"/>
-            <a:r>
-              <a:rPr lang="ko-KR" altLang="en-US" dirty="0">
-                <a:solidFill>
-                  <a:schemeClr val="tx1"/>
-                </a:solidFill>
-              </a:rPr>
-              <a:t>월드 </a:t>
-            </a:r>
-            <a:r>
-              <a:rPr lang="en-US" altLang="ko-KR" dirty="0">
-                <a:solidFill>
-                  <a:schemeClr val="tx1"/>
-                </a:solidFill>
-              </a:rPr>
-              <a:t>2</a:t>
-            </a:r>
-            <a:endParaRPr lang="ko-KR" altLang="en-US" dirty="0">
-              <a:solidFill>
-                <a:schemeClr val="tx1"/>
-              </a:solidFill>
-            </a:endParaRPr>
-          </a:p>
-        </p:txBody>
-      </p:sp>
-      <p:cxnSp>
-        <p:nvCxnSpPr>
-          <p:cNvPr id="7" name="직선 연결선 6">
-            <a:extLst>
-              <a:ext uri="{FF2B5EF4-FFF2-40B4-BE49-F238E27FC236}">
-                <a16:creationId xmlns:a16="http://schemas.microsoft.com/office/drawing/2014/main" id="{EEA2482D-0626-0C6C-C6AC-DED3ED16700D}"/>
-              </a:ext>
-            </a:extLst>
-          </p:cNvPr>
-          <p:cNvCxnSpPr>
-            <a:cxnSpLocks/>
-            <a:stCxn id="5" idx="3"/>
-            <a:endCxn id="4" idx="1"/>
-          </p:cNvCxnSpPr>
-          <p:nvPr/>
-        </p:nvCxnSpPr>
-        <p:spPr>
-          <a:xfrm flipV="1">
-            <a:off x="1587620" y="2996929"/>
-            <a:ext cx="899697" cy="105506"/>
-          </a:xfrm>
-          <a:prstGeom prst="line">
-            <a:avLst/>
-          </a:prstGeom>
-        </p:spPr>
-        <p:style>
-          <a:lnRef idx="1">
-            <a:schemeClr val="accent1"/>
-          </a:lnRef>
-          <a:fillRef idx="0">
-            <a:schemeClr val="accent1"/>
-          </a:fillRef>
-          <a:effectRef idx="0">
-            <a:schemeClr val="accent1"/>
-          </a:effectRef>
-          <a:fontRef idx="minor">
-            <a:schemeClr val="tx1"/>
-          </a:fontRef>
-        </p:style>
-      </p:cxnSp>
-      <p:cxnSp>
-        <p:nvCxnSpPr>
-          <p:cNvPr id="8" name="직선 연결선 7">
-            <a:extLst>
-              <a:ext uri="{FF2B5EF4-FFF2-40B4-BE49-F238E27FC236}">
-                <a16:creationId xmlns:a16="http://schemas.microsoft.com/office/drawing/2014/main" id="{B7813A78-7FA5-4C41-5B2B-1E8B86D4CF3C}"/>
-              </a:ext>
-            </a:extLst>
-          </p:cNvPr>
-          <p:cNvCxnSpPr>
-            <a:cxnSpLocks/>
-            <a:stCxn id="6" idx="3"/>
-            <a:endCxn id="4" idx="0"/>
-          </p:cNvCxnSpPr>
-          <p:nvPr/>
-        </p:nvCxnSpPr>
-        <p:spPr>
-          <a:xfrm>
-            <a:off x="2279149" y="1756832"/>
-            <a:ext cx="1066711" cy="809002"/>
-          </a:xfrm>
-          <a:prstGeom prst="line">
-            <a:avLst/>
-          </a:prstGeom>
-        </p:spPr>
-        <p:style>
-          <a:lnRef idx="1">
-            <a:schemeClr val="accent1"/>
-          </a:lnRef>
-          <a:fillRef idx="0">
-            <a:schemeClr val="accent1"/>
-          </a:fillRef>
-          <a:effectRef idx="0">
-            <a:schemeClr val="accent1"/>
-          </a:effectRef>
-          <a:fontRef idx="minor">
-            <a:schemeClr val="tx1"/>
-          </a:fontRef>
-        </p:style>
-      </p:cxnSp>
-      <p:sp>
-        <p:nvSpPr>
-          <p:cNvPr id="9" name="TextBox 8">
-            <a:extLst>
-              <a:ext uri="{FF2B5EF4-FFF2-40B4-BE49-F238E27FC236}">
-                <a16:creationId xmlns:a16="http://schemas.microsoft.com/office/drawing/2014/main" id="{36C8E3CD-2FD5-38F9-8741-4F6A3F863FA6}"/>
+          <p:cNvPr id="4" name="TextBox 3">
+            <a:extLst>
+              <a:ext uri="{FF2B5EF4-FFF2-40B4-BE49-F238E27FC236}">
+                <a16:creationId xmlns:a16="http://schemas.microsoft.com/office/drawing/2014/main" id="{1B91D0D6-6991-10AC-A20B-0EB2B62D01BB}"/>
               </a:ext>
             </a:extLst>
           </p:cNvPr>
@@ -9057,8 +9624,8 @@
         </p:nvSpPr>
         <p:spPr>
           <a:xfrm>
-            <a:off x="5092918" y="1995614"/>
-            <a:ext cx="6517321" cy="954107"/>
+            <a:off x="346229" y="359090"/>
+            <a:ext cx="8451542" cy="369332"/>
           </a:xfrm>
           <a:prstGeom prst="rect">
             <a:avLst/>
@@ -9072,80 +9639,65 @@
           <a:lstStyle/>
           <a:p>
             <a:r>
-              <a:rPr lang="ko-KR" altLang="en-US" sz="1400" dirty="0"/>
-              <a:t>동일하게 월드를 클리어하면 메인 허브에 추가적인 변화가 생기고</a:t>
-            </a:r>
-            <a:r>
-              <a:rPr lang="en-US" altLang="ko-KR" sz="1400" dirty="0"/>
-              <a:t>,</a:t>
-            </a:r>
-          </a:p>
-          <a:p>
-            <a:endParaRPr lang="en-US" altLang="ko-KR" sz="1400" dirty="0"/>
-          </a:p>
-          <a:p>
-            <a:r>
-              <a:rPr lang="en-US" altLang="ko-KR" sz="1400" dirty="0"/>
-              <a:t>＂</a:t>
-            </a:r>
-            <a:r>
-              <a:rPr lang="ko-KR" altLang="en-US" sz="1400" dirty="0"/>
-              <a:t>메인 허브</a:t>
-            </a:r>
-            <a:r>
-              <a:rPr lang="en-US" altLang="ko-KR" sz="1400" dirty="0"/>
-              <a:t>＂</a:t>
-            </a:r>
-            <a:r>
-              <a:rPr lang="ko-KR" altLang="en-US" sz="1400" dirty="0"/>
-              <a:t>자체도 하나의 스테이지로</a:t>
-            </a:r>
-            <a:r>
-              <a:rPr lang="en-US" altLang="ko-KR" sz="1400" dirty="0"/>
-              <a:t>, </a:t>
-            </a:r>
-            <a:r>
-              <a:rPr lang="ko-KR" altLang="en-US" sz="1400" dirty="0"/>
-              <a:t>모든 월드를 클리어하면 허브에 나타나는 변화로 인해 </a:t>
-            </a:r>
-            <a:r>
-              <a:rPr lang="en-US" altLang="ko-KR" sz="1400" dirty="0"/>
-              <a:t>“</a:t>
-            </a:r>
-            <a:r>
-              <a:rPr lang="ko-KR" altLang="en-US" sz="1400" dirty="0"/>
-              <a:t>메인 허브</a:t>
-            </a:r>
-            <a:r>
-              <a:rPr lang="en-US" altLang="ko-KR" sz="1400" dirty="0"/>
-              <a:t>” </a:t>
-            </a:r>
-            <a:r>
-              <a:rPr lang="ko-KR" altLang="en-US" sz="1400" dirty="0"/>
-              <a:t>자체를 클리어 할 수 있게 됨</a:t>
-            </a:r>
-            <a:r>
-              <a:rPr lang="en-US" altLang="ko-KR" sz="1400" dirty="0"/>
-              <a:t>. (</a:t>
-            </a:r>
-            <a:r>
-              <a:rPr lang="ko-KR" altLang="en-US" sz="1400" dirty="0"/>
-              <a:t>엔딩</a:t>
-            </a:r>
-            <a:r>
-              <a:rPr lang="en-US" altLang="ko-KR" sz="1400" dirty="0"/>
-              <a:t>)</a:t>
-            </a:r>
-            <a:endParaRPr lang="ko-KR" altLang="en-US" sz="1400" dirty="0"/>
-          </a:p>
-        </p:txBody>
-      </p:sp>
-      <p:sp>
-        <p:nvSpPr>
-          <p:cNvPr id="10" name="TextBox 9">
-            <a:extLst>
-              <a:ext uri="{FF2B5EF4-FFF2-40B4-BE49-F238E27FC236}">
-                <a16:creationId xmlns:a16="http://schemas.microsoft.com/office/drawing/2014/main" id="{A3AAC36C-8107-0B7B-28F2-A3F4E3B3F9BD}"/>
+              <a:rPr lang="ko-KR" altLang="en-US" dirty="0"/>
+              <a:t>제작중인 스테이지 예시</a:t>
+            </a:r>
+          </a:p>
+        </p:txBody>
+      </p:sp>
+      <p:pic>
+        <p:nvPicPr>
+          <p:cNvPr id="1026" name="Picture 2">
+            <a:extLst>
+              <a:ext uri="{FF2B5EF4-FFF2-40B4-BE49-F238E27FC236}">
+                <a16:creationId xmlns:a16="http://schemas.microsoft.com/office/drawing/2014/main" id="{E01515C6-1F7D-2C2C-9ACA-084D0908FD02}"/>
+              </a:ext>
+            </a:extLst>
+          </p:cNvPr>
+          <p:cNvPicPr>
+            <a:picLocks noChangeAspect="1" noChangeArrowheads="1"/>
+          </p:cNvPicPr>
+          <p:nvPr/>
+        </p:nvPicPr>
+        <p:blipFill>
+          <a:blip r:embed="rId2">
+            <a:extLst>
+              <a:ext uri="{28A0092B-C50C-407E-A947-70E740481C1C}">
+                <a14:useLocalDpi xmlns:a14="http://schemas.microsoft.com/office/drawing/2010/main" val="0"/>
+              </a:ext>
+            </a:extLst>
+          </a:blip>
+          <a:srcRect/>
+          <a:stretch>
+            <a:fillRect/>
+          </a:stretch>
+        </p:blipFill>
+        <p:spPr bwMode="auto">
+          <a:xfrm>
+            <a:off x="346229" y="1375129"/>
+            <a:ext cx="6809186" cy="4342090"/>
+          </a:xfrm>
+          <a:prstGeom prst="rect">
+            <a:avLst/>
+          </a:prstGeom>
+          <a:noFill/>
+          <a:extLst>
+            <a:ext uri="{909E8E84-426E-40DD-AFC4-6F175D3DCCD1}">
+              <a14:hiddenFill xmlns:a14="http://schemas.microsoft.com/office/drawing/2010/main">
+                <a:solidFill>
+                  <a:srgbClr val="FFFFFF"/>
+                </a:solidFill>
+              </a14:hiddenFill>
+            </a:ext>
+          </a:extLst>
+        </p:spPr>
+      </p:pic>
+      <p:sp>
+        <p:nvSpPr>
+          <p:cNvPr id="5" name="TextBox 4">
+            <a:extLst>
+              <a:ext uri="{FF2B5EF4-FFF2-40B4-BE49-F238E27FC236}">
+                <a16:creationId xmlns:a16="http://schemas.microsoft.com/office/drawing/2014/main" id="{B9218DD4-9D83-C453-A445-88706D868CC1}"/>
               </a:ext>
             </a:extLst>
           </p:cNvPr>
@@ -9154,44 +9706,8 @@
         </p:nvSpPr>
         <p:spPr>
           <a:xfrm>
-            <a:off x="339941" y="507323"/>
-            <a:ext cx="11512118" cy="369332"/>
-          </a:xfrm>
-          <a:prstGeom prst="rect">
-            <a:avLst/>
-          </a:prstGeom>
-          <a:noFill/>
-        </p:spPr>
-        <p:txBody>
-          <a:bodyPr wrap="square">
-            <a:spAutoFit/>
-          </a:bodyPr>
-          <a:lstStyle/>
-          <a:p>
-            <a:r>
-              <a:rPr lang="ko-KR" altLang="en-US" dirty="0"/>
-              <a:t>게임의 클리어</a:t>
-            </a:r>
-            <a:endParaRPr lang="en-US" altLang="ko-KR" dirty="0"/>
-          </a:p>
-        </p:txBody>
-      </p:sp>
-      <p:sp>
-        <p:nvSpPr>
-          <p:cNvPr id="11" name="TextBox 10">
-            <a:extLst>
-              <a:ext uri="{FF2B5EF4-FFF2-40B4-BE49-F238E27FC236}">
-                <a16:creationId xmlns:a16="http://schemas.microsoft.com/office/drawing/2014/main" id="{72B2561C-5AC8-3FFA-3870-462B2002EB34}"/>
-              </a:ext>
-            </a:extLst>
-          </p:cNvPr>
-          <p:cNvSpPr txBox="1"/>
-          <p:nvPr/>
-        </p:nvSpPr>
-        <p:spPr>
-          <a:xfrm>
-            <a:off x="339941" y="3591289"/>
-            <a:ext cx="10828168" cy="2308324"/>
+            <a:off x="7480445" y="1375129"/>
+            <a:ext cx="4300224" cy="3323987"/>
           </a:xfrm>
           <a:prstGeom prst="rect">
             <a:avLst/>
@@ -9204,216 +9720,252 @@
           </a:bodyPr>
           <a:lstStyle/>
           <a:p>
-            <a:r>
-              <a:rPr lang="ko-KR" altLang="en-US" dirty="0"/>
-              <a:t>월드의 클리어가       허브에 변화를 </a:t>
-            </a:r>
-            <a:r>
-              <a:rPr lang="ko-KR" altLang="en-US" dirty="0" err="1"/>
-              <a:t>만듬</a:t>
-            </a:r>
-            <a:endParaRPr lang="en-US" altLang="ko-KR" dirty="0"/>
-          </a:p>
-          <a:p>
-            <a:endParaRPr lang="en-US" altLang="ko-KR" dirty="0"/>
-          </a:p>
-          <a:p>
-            <a:endParaRPr lang="en-US" altLang="ko-KR" dirty="0"/>
-          </a:p>
-          <a:p>
-            <a:r>
-              <a:rPr lang="en-US" altLang="ko-KR" dirty="0"/>
-              <a:t>	  		</a:t>
-            </a:r>
-            <a:r>
-              <a:rPr lang="ko-KR" altLang="en-US" dirty="0"/>
-              <a:t>모든 월드를 클리어하면</a:t>
-            </a:r>
-            <a:endParaRPr lang="en-US" altLang="ko-KR" dirty="0"/>
-          </a:p>
-          <a:p>
-            <a:endParaRPr lang="en-US" altLang="ko-KR" dirty="0"/>
-          </a:p>
-          <a:p>
-            <a:endParaRPr lang="en-US" altLang="ko-KR" dirty="0"/>
-          </a:p>
-          <a:p>
-            <a:endParaRPr lang="en-US" altLang="ko-KR" dirty="0"/>
-          </a:p>
-          <a:p>
-            <a:r>
-              <a:rPr lang="en-US" altLang="ko-KR" dirty="0"/>
-              <a:t>              		</a:t>
-            </a:r>
-            <a:r>
-              <a:rPr lang="ko-KR" altLang="en-US" dirty="0"/>
-              <a:t>그 변화들로 인해서 허브 자체를 클리어 할 수 있음             게임 클리어</a:t>
-            </a:r>
-          </a:p>
-        </p:txBody>
-      </p:sp>
-      <p:cxnSp>
-        <p:nvCxnSpPr>
-          <p:cNvPr id="12" name="직선 화살표 연결선 11">
-            <a:extLst>
-              <a:ext uri="{FF2B5EF4-FFF2-40B4-BE49-F238E27FC236}">
-                <a16:creationId xmlns:a16="http://schemas.microsoft.com/office/drawing/2014/main" id="{1C05782E-DE00-B1BD-5843-8C8898D8EB5D}"/>
-              </a:ext>
-            </a:extLst>
-          </p:cNvPr>
-          <p:cNvCxnSpPr/>
-          <p:nvPr/>
-        </p:nvCxnSpPr>
-        <p:spPr>
-          <a:xfrm>
-            <a:off x="2112092" y="3811466"/>
-            <a:ext cx="334114" cy="0"/>
-          </a:xfrm>
-          <a:prstGeom prst="straightConnector1">
-            <a:avLst/>
-          </a:prstGeom>
-          <a:ln>
-            <a:tailEnd type="triangle"/>
-          </a:ln>
-        </p:spPr>
-        <p:style>
-          <a:lnRef idx="2">
-            <a:schemeClr val="accent1"/>
-          </a:lnRef>
-          <a:fillRef idx="0">
-            <a:schemeClr val="accent1"/>
-          </a:fillRef>
-          <a:effectRef idx="1">
-            <a:schemeClr val="accent1"/>
-          </a:effectRef>
-          <a:fontRef idx="minor">
-            <a:schemeClr val="tx1"/>
-          </a:fontRef>
-        </p:style>
-      </p:cxnSp>
-      <p:cxnSp>
-        <p:nvCxnSpPr>
-          <p:cNvPr id="13" name="직선 화살표 연결선 12">
-            <a:extLst>
-              <a:ext uri="{FF2B5EF4-FFF2-40B4-BE49-F238E27FC236}">
-                <a16:creationId xmlns:a16="http://schemas.microsoft.com/office/drawing/2014/main" id="{C6E6026E-BE38-6D90-CC4F-0A8D46B48335}"/>
-              </a:ext>
-            </a:extLst>
-          </p:cNvPr>
-          <p:cNvCxnSpPr/>
-          <p:nvPr/>
-        </p:nvCxnSpPr>
-        <p:spPr>
-          <a:xfrm>
-            <a:off x="3782536" y="4037254"/>
-            <a:ext cx="0" cy="292963"/>
-          </a:xfrm>
-          <a:prstGeom prst="straightConnector1">
-            <a:avLst/>
-          </a:prstGeom>
-          <a:ln>
-            <a:tailEnd type="triangle"/>
-          </a:ln>
-        </p:spPr>
-        <p:style>
-          <a:lnRef idx="2">
-            <a:schemeClr val="accent1"/>
-          </a:lnRef>
-          <a:fillRef idx="0">
-            <a:schemeClr val="accent1"/>
-          </a:fillRef>
-          <a:effectRef idx="1">
-            <a:schemeClr val="accent1"/>
-          </a:effectRef>
-          <a:fontRef idx="minor">
-            <a:schemeClr val="tx1"/>
-          </a:fontRef>
-        </p:style>
-      </p:cxnSp>
-      <p:cxnSp>
-        <p:nvCxnSpPr>
-          <p:cNvPr id="14" name="직선 화살표 연결선 13">
-            <a:extLst>
-              <a:ext uri="{FF2B5EF4-FFF2-40B4-BE49-F238E27FC236}">
-                <a16:creationId xmlns:a16="http://schemas.microsoft.com/office/drawing/2014/main" id="{9EA054DB-AF1D-E9B1-9C06-1B364C15C191}"/>
-              </a:ext>
-            </a:extLst>
-          </p:cNvPr>
-          <p:cNvCxnSpPr/>
-          <p:nvPr/>
-        </p:nvCxnSpPr>
-        <p:spPr>
-          <a:xfrm>
-            <a:off x="4617037" y="4880633"/>
-            <a:ext cx="0" cy="470516"/>
-          </a:xfrm>
-          <a:prstGeom prst="straightConnector1">
-            <a:avLst/>
-          </a:prstGeom>
-          <a:ln>
-            <a:tailEnd type="triangle"/>
-          </a:ln>
-        </p:spPr>
-        <p:style>
-          <a:lnRef idx="2">
-            <a:schemeClr val="accent1"/>
-          </a:lnRef>
-          <a:fillRef idx="0">
-            <a:schemeClr val="accent1"/>
-          </a:fillRef>
-          <a:effectRef idx="1">
-            <a:schemeClr val="accent1"/>
-          </a:effectRef>
-          <a:fontRef idx="minor">
-            <a:schemeClr val="tx1"/>
-          </a:fontRef>
-        </p:style>
-      </p:cxnSp>
-      <p:cxnSp>
-        <p:nvCxnSpPr>
-          <p:cNvPr id="17" name="직선 화살표 연결선 16">
-            <a:extLst>
-              <a:ext uri="{FF2B5EF4-FFF2-40B4-BE49-F238E27FC236}">
-                <a16:creationId xmlns:a16="http://schemas.microsoft.com/office/drawing/2014/main" id="{CABDDDE8-F505-7793-3C8D-8D5B0975FB8C}"/>
-              </a:ext>
-            </a:extLst>
-          </p:cNvPr>
-          <p:cNvCxnSpPr>
-            <a:cxnSpLocks/>
-          </p:cNvCxnSpPr>
-          <p:nvPr/>
-        </p:nvCxnSpPr>
-        <p:spPr>
-          <a:xfrm>
-            <a:off x="8613468" y="5664355"/>
-            <a:ext cx="672575" cy="0"/>
-          </a:xfrm>
-          <a:prstGeom prst="straightConnector1">
-            <a:avLst/>
-          </a:prstGeom>
-          <a:ln>
-            <a:tailEnd type="triangle"/>
-          </a:ln>
-        </p:spPr>
-        <p:style>
-          <a:lnRef idx="2">
-            <a:schemeClr val="accent1"/>
-          </a:lnRef>
-          <a:fillRef idx="0">
-            <a:schemeClr val="accent1"/>
-          </a:fillRef>
-          <a:effectRef idx="1">
-            <a:schemeClr val="accent1"/>
-          </a:effectRef>
-          <a:fontRef idx="minor">
-            <a:schemeClr val="tx1"/>
-          </a:fontRef>
-        </p:style>
-      </p:cxnSp>
+            <a:pPr algn="l" fontAlgn="base"/>
+            <a:r>
+              <a:rPr lang="ko-KR" altLang="en-US" sz="1400" b="0" i="0" dirty="0">
+                <a:effectLst/>
+                <a:latin typeface="gg sans"/>
+              </a:rPr>
+              <a:t>핑크색은 워프를 설치할 곳</a:t>
+            </a:r>
+            <a:br>
+              <a:rPr lang="en-US" altLang="ko-KR" sz="1400" b="0" i="0" dirty="0">
+                <a:effectLst/>
+                <a:latin typeface="gg sans"/>
+              </a:rPr>
+            </a:br>
+            <a:r>
+              <a:rPr lang="en-US" altLang="ko-KR" sz="1400" b="0" i="0" dirty="0">
+                <a:effectLst/>
+                <a:latin typeface="gg sans"/>
+              </a:rPr>
+              <a:t> - 1</a:t>
+            </a:r>
+            <a:r>
+              <a:rPr lang="ko-KR" altLang="en-US" sz="1400" b="0" i="0" dirty="0">
+                <a:effectLst/>
+                <a:latin typeface="gg sans"/>
+              </a:rPr>
+              <a:t>층 워프는 스테이지 시작점</a:t>
+            </a:r>
+            <a:br>
+              <a:rPr lang="en-US" altLang="ko-KR" sz="1400" dirty="0">
+                <a:latin typeface="gg sans"/>
+              </a:rPr>
+            </a:br>
+            <a:r>
+              <a:rPr lang="en-US" altLang="ko-KR" sz="1400" dirty="0">
+                <a:latin typeface="gg sans"/>
+              </a:rPr>
+              <a:t> - </a:t>
+            </a:r>
+            <a:r>
+              <a:rPr lang="en-US" altLang="ko-KR" sz="1400" b="0" i="0" dirty="0">
+                <a:effectLst/>
+                <a:latin typeface="gg sans"/>
+              </a:rPr>
+              <a:t>2</a:t>
+            </a:r>
+            <a:r>
+              <a:rPr lang="ko-KR" altLang="en-US" sz="1400" b="0" i="0" dirty="0">
+                <a:effectLst/>
+                <a:latin typeface="gg sans"/>
+              </a:rPr>
+              <a:t>층 워프는 스테이지 종점</a:t>
+            </a:r>
+            <a:endParaRPr lang="en-US" altLang="ko-KR" sz="1400" b="0" i="0" dirty="0">
+              <a:effectLst/>
+              <a:latin typeface="gg sans"/>
+            </a:endParaRPr>
+          </a:p>
+          <a:p>
+            <a:pPr algn="l" fontAlgn="base"/>
+            <a:br>
+              <a:rPr lang="en-US" altLang="ko-KR" sz="1400" b="0" i="0" dirty="0">
+                <a:effectLst/>
+                <a:latin typeface="gg sans"/>
+              </a:rPr>
+            </a:br>
+            <a:r>
+              <a:rPr lang="ko-KR" altLang="en-US" sz="1400" b="0" i="0" dirty="0">
+                <a:effectLst/>
+                <a:latin typeface="gg sans"/>
+              </a:rPr>
+              <a:t>보라색은 미는 박스를 두는 곳</a:t>
+            </a:r>
+            <a:endParaRPr lang="en-US" altLang="ko-KR" sz="1400" b="0" i="0" dirty="0">
+              <a:effectLst/>
+              <a:latin typeface="gg sans"/>
+            </a:endParaRPr>
+          </a:p>
+          <a:p>
+            <a:pPr algn="l" fontAlgn="base"/>
+            <a:r>
+              <a:rPr lang="ko-KR" altLang="en-US" sz="1400" b="0" i="0" dirty="0">
+                <a:effectLst/>
+                <a:latin typeface="gg sans"/>
+              </a:rPr>
+              <a:t>빨간색은 계단을 두는 곳</a:t>
+            </a:r>
+            <a:endParaRPr lang="en-US" altLang="ko-KR" sz="1400" b="0" i="0" dirty="0">
+              <a:effectLst/>
+              <a:latin typeface="gg sans"/>
+            </a:endParaRPr>
+          </a:p>
+          <a:p>
+            <a:pPr algn="l" fontAlgn="base"/>
+            <a:r>
+              <a:rPr lang="ko-KR" altLang="en-US" sz="1400" b="0" i="0" dirty="0">
+                <a:effectLst/>
+                <a:latin typeface="gg sans"/>
+              </a:rPr>
+              <a:t>파란색은 계단을 이어줄 </a:t>
+            </a:r>
+            <a:r>
+              <a:rPr lang="ko-KR" altLang="en-US" sz="1400" b="0" i="0" dirty="0" err="1">
+                <a:effectLst/>
+                <a:latin typeface="gg sans"/>
+              </a:rPr>
+              <a:t>블럭을</a:t>
+            </a:r>
+            <a:r>
+              <a:rPr lang="ko-KR" altLang="en-US" sz="1400" b="0" i="0" dirty="0">
+                <a:effectLst/>
+                <a:latin typeface="gg sans"/>
+              </a:rPr>
+              <a:t> 두는 곳</a:t>
+            </a:r>
+            <a:endParaRPr lang="en-US" altLang="ko-KR" sz="1400" b="0" i="0" dirty="0">
+              <a:effectLst/>
+              <a:latin typeface="gg sans"/>
+            </a:endParaRPr>
+          </a:p>
+          <a:p>
+            <a:pPr algn="l" fontAlgn="base"/>
+            <a:endParaRPr lang="en-US" altLang="ko-KR" sz="1400" dirty="0">
+              <a:latin typeface="gg sans"/>
+            </a:endParaRPr>
+          </a:p>
+          <a:p>
+            <a:pPr algn="l" fontAlgn="base"/>
+            <a:r>
+              <a:rPr lang="en-US" altLang="ko-KR" sz="1400" b="0" i="0" dirty="0">
+                <a:effectLst/>
+                <a:latin typeface="inherit"/>
+              </a:rPr>
+              <a:t>1</a:t>
+            </a:r>
+            <a:r>
+              <a:rPr lang="ko-KR" altLang="en-US" sz="1400" b="0" i="0" dirty="0">
+                <a:effectLst/>
+                <a:latin typeface="inherit"/>
+              </a:rPr>
+              <a:t>층은 미는 박스를 이용하는 미로로</a:t>
+            </a:r>
+            <a:r>
+              <a:rPr lang="en-US" altLang="ko-KR" sz="1400" b="0" i="0" dirty="0">
+                <a:effectLst/>
+                <a:latin typeface="inherit"/>
+              </a:rPr>
+              <a:t>, </a:t>
+            </a:r>
+            <a:r>
+              <a:rPr lang="ko-KR" altLang="en-US" sz="1400" b="0" i="0" dirty="0">
+                <a:effectLst/>
+                <a:latin typeface="inherit"/>
+              </a:rPr>
+              <a:t>박스를 밀면 추가로 길이 생김</a:t>
+            </a:r>
+            <a:r>
+              <a:rPr lang="en-US" altLang="ko-KR" sz="1400" b="0" i="0" dirty="0">
+                <a:effectLst/>
+                <a:latin typeface="inherit"/>
+              </a:rPr>
+              <a:t>. </a:t>
+            </a:r>
+            <a:r>
+              <a:rPr lang="ko-KR" altLang="en-US" sz="1400" b="0" i="0" dirty="0">
+                <a:effectLst/>
+                <a:latin typeface="inherit"/>
+              </a:rPr>
+              <a:t>박스를 미는 정도에 따라 추가되는 길의 양이 달라지도록 기획함</a:t>
+            </a:r>
+            <a:br>
+              <a:rPr lang="en-US" altLang="ko-KR" sz="1400" b="0" i="0" dirty="0">
+                <a:effectLst/>
+                <a:latin typeface="inherit"/>
+              </a:rPr>
+            </a:br>
+            <a:endParaRPr lang="ko-KR" altLang="en-US" sz="1400" b="0" i="0" dirty="0">
+              <a:effectLst/>
+              <a:latin typeface="inherit"/>
+            </a:endParaRPr>
+          </a:p>
+          <a:p>
+            <a:pPr algn="l" fontAlgn="base"/>
+            <a:r>
+              <a:rPr lang="en-US" altLang="ko-KR" sz="1400" b="0" i="0" dirty="0">
+                <a:effectLst/>
+                <a:latin typeface="inherit"/>
+              </a:rPr>
+              <a:t>2</a:t>
+            </a:r>
+            <a:r>
+              <a:rPr lang="ko-KR" altLang="en-US" sz="1400" b="0" i="0" dirty="0">
+                <a:effectLst/>
+                <a:latin typeface="inherit"/>
+              </a:rPr>
+              <a:t>층은 계단을 이용한 미로로</a:t>
+            </a:r>
+            <a:r>
+              <a:rPr lang="en-US" altLang="ko-KR" sz="1400" b="0" i="0" dirty="0">
+                <a:effectLst/>
+                <a:latin typeface="inherit"/>
+              </a:rPr>
+              <a:t>, 5</a:t>
+            </a:r>
+            <a:r>
+              <a:rPr lang="ko-KR" altLang="en-US" sz="1400" b="0" i="0" dirty="0">
+                <a:effectLst/>
+                <a:latin typeface="inherit"/>
+              </a:rPr>
+              <a:t>호관에서 아이디어를 얻음</a:t>
+            </a:r>
+            <a:r>
+              <a:rPr lang="en-US" altLang="ko-KR" sz="1400" b="0" i="0" dirty="0">
+                <a:effectLst/>
+                <a:latin typeface="inherit"/>
+              </a:rPr>
+              <a:t>. </a:t>
+            </a:r>
+            <a:r>
+              <a:rPr lang="ko-KR" altLang="en-US" sz="1400" b="0" i="0" dirty="0">
+                <a:effectLst/>
+                <a:latin typeface="inherit"/>
+              </a:rPr>
+              <a:t>계단을 오르지 않으면 종점에 도달하지 못하며</a:t>
+            </a:r>
+            <a:r>
+              <a:rPr lang="en-US" altLang="ko-KR" sz="1400" b="0" i="0" dirty="0">
+                <a:effectLst/>
+                <a:latin typeface="inherit"/>
+              </a:rPr>
+              <a:t>, </a:t>
+            </a:r>
+            <a:r>
+              <a:rPr lang="ko-KR" altLang="en-US" sz="1400" b="0" i="0" dirty="0">
+                <a:effectLst/>
+                <a:latin typeface="inherit"/>
+              </a:rPr>
+              <a:t>계단을 적당히 오르내려야 종점에 도달하도록 기획함</a:t>
+            </a:r>
+          </a:p>
+        </p:txBody>
+      </p:sp>
     </p:spTree>
     <p:extLst>
       <p:ext uri="{BB962C8B-B14F-4D97-AF65-F5344CB8AC3E}">
-        <p14:creationId xmlns:p14="http://schemas.microsoft.com/office/powerpoint/2010/main" val="1079499430"/>
+        <p14:creationId xmlns:p14="http://schemas.microsoft.com/office/powerpoint/2010/main" val="2463306291"/>
       </p:ext>
     </p:extLst>
   </p:cSld>
